--- a/docs/Presentation-chess.pptx
+++ b/docs/Presentation-chess.pptx
@@ -112,6 +112,22 @@
       </a:defRPr>
     </a:lvl9pPr>
   </p:defaultTextStyle>
+  <p:extLst>
+    <p:ext uri="{EFAFB233-063F-42B5-8137-9DF3F51BA10A}">
+      <p15:sldGuideLst xmlns:p15="http://schemas.microsoft.com/office/powerpoint/2012/main">
+        <p15:guide id="1" orient="horz" pos="2160">
+          <p15:clr>
+            <a:srgbClr val="A4A3A4"/>
+          </p15:clr>
+        </p15:guide>
+        <p15:guide id="2" pos="2880">
+          <p15:clr>
+            <a:srgbClr val="A4A3A4"/>
+          </p15:clr>
+        </p15:guide>
+      </p15:sldGuideLst>
+    </p:ext>
+  </p:extLst>
 </p:presentation>
 </file>
 
@@ -153,10 +169,9 @@
           <a:lstStyle/>
           <a:p>
             <a:r>
-              <a:rPr lang="en-US" smtClean="0"/>
+              <a:rPr lang="en-US"/>
               <a:t>Click to edit Master title style</a:t>
             </a:r>
-            <a:endParaRPr lang="en-US"/>
           </a:p>
         </p:txBody>
       </p:sp>
@@ -272,10 +287,9 @@
           </a:lstStyle>
           <a:p>
             <a:r>
-              <a:rPr lang="en-US" smtClean="0"/>
+              <a:rPr lang="en-US"/>
               <a:t>Click to edit Master subtitle style</a:t>
             </a:r>
-            <a:endParaRPr lang="en-US"/>
           </a:p>
         </p:txBody>
       </p:sp>
@@ -296,7 +310,7 @@
           <a:p>
             <a:fld id="{0D52D31C-81F1-4F48-BA35-B36136AFFF74}" type="datetimeFigureOut">
               <a:rPr lang="en-US" smtClean="0"/>
-              <a:t>11/22/2019</a:t>
+              <a:t>11/23/2019</a:t>
             </a:fld>
             <a:endParaRPr lang="en-US"/>
           </a:p>
@@ -390,10 +404,9 @@
           <a:lstStyle/>
           <a:p>
             <a:r>
-              <a:rPr lang="en-US" smtClean="0"/>
+              <a:rPr lang="en-US"/>
               <a:t>Click to edit Master title style</a:t>
             </a:r>
-            <a:endParaRPr lang="en-US"/>
           </a:p>
         </p:txBody>
       </p:sp>
@@ -414,38 +427,37 @@
           <a:p>
             <a:pPr lvl="0"/>
             <a:r>
-              <a:rPr lang="en-US" smtClean="0"/>
+              <a:rPr lang="en-US"/>
               <a:t>Click to edit Master text styles</a:t>
             </a:r>
           </a:p>
           <a:p>
             <a:pPr lvl="1"/>
             <a:r>
-              <a:rPr lang="en-US" smtClean="0"/>
+              <a:rPr lang="en-US"/>
               <a:t>Second level</a:t>
             </a:r>
           </a:p>
           <a:p>
             <a:pPr lvl="2"/>
             <a:r>
-              <a:rPr lang="en-US" smtClean="0"/>
+              <a:rPr lang="en-US"/>
               <a:t>Third level</a:t>
             </a:r>
           </a:p>
           <a:p>
             <a:pPr lvl="3"/>
             <a:r>
-              <a:rPr lang="en-US" smtClean="0"/>
+              <a:rPr lang="en-US"/>
               <a:t>Fourth level</a:t>
             </a:r>
           </a:p>
           <a:p>
             <a:pPr lvl="4"/>
             <a:r>
-              <a:rPr lang="en-US" smtClean="0"/>
+              <a:rPr lang="en-US"/>
               <a:t>Fifth level</a:t>
             </a:r>
-            <a:endParaRPr lang="en-US"/>
           </a:p>
         </p:txBody>
       </p:sp>
@@ -466,7 +478,7 @@
           <a:p>
             <a:fld id="{0D52D31C-81F1-4F48-BA35-B36136AFFF74}" type="datetimeFigureOut">
               <a:rPr lang="en-US" smtClean="0"/>
-              <a:t>11/22/2019</a:t>
+              <a:t>11/23/2019</a:t>
             </a:fld>
             <a:endParaRPr lang="en-US"/>
           </a:p>
@@ -565,10 +577,9 @@
           <a:lstStyle/>
           <a:p>
             <a:r>
-              <a:rPr lang="en-US" smtClean="0"/>
+              <a:rPr lang="en-US"/>
               <a:t>Click to edit Master title style</a:t>
             </a:r>
-            <a:endParaRPr lang="en-US"/>
           </a:p>
         </p:txBody>
       </p:sp>
@@ -594,38 +605,37 @@
           <a:p>
             <a:pPr lvl="0"/>
             <a:r>
-              <a:rPr lang="en-US" smtClean="0"/>
+              <a:rPr lang="en-US"/>
               <a:t>Click to edit Master text styles</a:t>
             </a:r>
           </a:p>
           <a:p>
             <a:pPr lvl="1"/>
             <a:r>
-              <a:rPr lang="en-US" smtClean="0"/>
+              <a:rPr lang="en-US"/>
               <a:t>Second level</a:t>
             </a:r>
           </a:p>
           <a:p>
             <a:pPr lvl="2"/>
             <a:r>
-              <a:rPr lang="en-US" smtClean="0"/>
+              <a:rPr lang="en-US"/>
               <a:t>Third level</a:t>
             </a:r>
           </a:p>
           <a:p>
             <a:pPr lvl="3"/>
             <a:r>
-              <a:rPr lang="en-US" smtClean="0"/>
+              <a:rPr lang="en-US"/>
               <a:t>Fourth level</a:t>
             </a:r>
           </a:p>
           <a:p>
             <a:pPr lvl="4"/>
             <a:r>
-              <a:rPr lang="en-US" smtClean="0"/>
+              <a:rPr lang="en-US"/>
               <a:t>Fifth level</a:t>
             </a:r>
-            <a:endParaRPr lang="en-US"/>
           </a:p>
         </p:txBody>
       </p:sp>
@@ -646,7 +656,7 @@
           <a:p>
             <a:fld id="{0D52D31C-81F1-4F48-BA35-B36136AFFF74}" type="datetimeFigureOut">
               <a:rPr lang="en-US" smtClean="0"/>
-              <a:t>11/22/2019</a:t>
+              <a:t>11/23/2019</a:t>
             </a:fld>
             <a:endParaRPr lang="en-US"/>
           </a:p>
@@ -740,10 +750,9 @@
           <a:lstStyle/>
           <a:p>
             <a:r>
-              <a:rPr lang="en-US" smtClean="0"/>
+              <a:rPr lang="en-US"/>
               <a:t>Click to edit Master title style</a:t>
             </a:r>
-            <a:endParaRPr lang="en-US"/>
           </a:p>
         </p:txBody>
       </p:sp>
@@ -764,38 +773,37 @@
           <a:p>
             <a:pPr lvl="0"/>
             <a:r>
-              <a:rPr lang="en-US" smtClean="0"/>
+              <a:rPr lang="en-US"/>
               <a:t>Click to edit Master text styles</a:t>
             </a:r>
           </a:p>
           <a:p>
             <a:pPr lvl="1"/>
             <a:r>
-              <a:rPr lang="en-US" smtClean="0"/>
+              <a:rPr lang="en-US"/>
               <a:t>Second level</a:t>
             </a:r>
           </a:p>
           <a:p>
             <a:pPr lvl="2"/>
             <a:r>
-              <a:rPr lang="en-US" smtClean="0"/>
+              <a:rPr lang="en-US"/>
               <a:t>Third level</a:t>
             </a:r>
           </a:p>
           <a:p>
             <a:pPr lvl="3"/>
             <a:r>
-              <a:rPr lang="en-US" smtClean="0"/>
+              <a:rPr lang="en-US"/>
               <a:t>Fourth level</a:t>
             </a:r>
           </a:p>
           <a:p>
             <a:pPr lvl="4"/>
             <a:r>
-              <a:rPr lang="en-US" smtClean="0"/>
+              <a:rPr lang="en-US"/>
               <a:t>Fifth level</a:t>
             </a:r>
-            <a:endParaRPr lang="en-US"/>
           </a:p>
         </p:txBody>
       </p:sp>
@@ -816,7 +824,7 @@
           <a:p>
             <a:fld id="{0D52D31C-81F1-4F48-BA35-B36136AFFF74}" type="datetimeFigureOut">
               <a:rPr lang="en-US" smtClean="0"/>
-              <a:t>11/22/2019</a:t>
+              <a:t>11/23/2019</a:t>
             </a:fld>
             <a:endParaRPr lang="en-US"/>
           </a:p>
@@ -919,10 +927,9 @@
           </a:lstStyle>
           <a:p>
             <a:r>
-              <a:rPr lang="en-US" smtClean="0"/>
+              <a:rPr lang="en-US"/>
               <a:t>Click to edit Master title style</a:t>
             </a:r>
-            <a:endParaRPr lang="en-US"/>
           </a:p>
         </p:txBody>
       </p:sp>
@@ -1039,7 +1046,7 @@
           <a:p>
             <a:pPr lvl="0"/>
             <a:r>
-              <a:rPr lang="en-US" smtClean="0"/>
+              <a:rPr lang="en-US"/>
               <a:t>Click to edit Master text styles</a:t>
             </a:r>
           </a:p>
@@ -1062,7 +1069,7 @@
           <a:p>
             <a:fld id="{0D52D31C-81F1-4F48-BA35-B36136AFFF74}" type="datetimeFigureOut">
               <a:rPr lang="en-US" smtClean="0"/>
-              <a:t>11/22/2019</a:t>
+              <a:t>11/23/2019</a:t>
             </a:fld>
             <a:endParaRPr lang="en-US"/>
           </a:p>
@@ -1156,10 +1163,9 @@
           <a:lstStyle/>
           <a:p>
             <a:r>
-              <a:rPr lang="en-US" smtClean="0"/>
+              <a:rPr lang="en-US"/>
               <a:t>Click to edit Master title style</a:t>
             </a:r>
-            <a:endParaRPr lang="en-US"/>
           </a:p>
         </p:txBody>
       </p:sp>
@@ -1213,38 +1219,37 @@
           <a:p>
             <a:pPr lvl="0"/>
             <a:r>
-              <a:rPr lang="en-US" smtClean="0"/>
+              <a:rPr lang="en-US"/>
               <a:t>Click to edit Master text styles</a:t>
             </a:r>
           </a:p>
           <a:p>
             <a:pPr lvl="1"/>
             <a:r>
-              <a:rPr lang="en-US" smtClean="0"/>
+              <a:rPr lang="en-US"/>
               <a:t>Second level</a:t>
             </a:r>
           </a:p>
           <a:p>
             <a:pPr lvl="2"/>
             <a:r>
-              <a:rPr lang="en-US" smtClean="0"/>
+              <a:rPr lang="en-US"/>
               <a:t>Third level</a:t>
             </a:r>
           </a:p>
           <a:p>
             <a:pPr lvl="3"/>
             <a:r>
-              <a:rPr lang="en-US" smtClean="0"/>
+              <a:rPr lang="en-US"/>
               <a:t>Fourth level</a:t>
             </a:r>
           </a:p>
           <a:p>
             <a:pPr lvl="4"/>
             <a:r>
-              <a:rPr lang="en-US" smtClean="0"/>
+              <a:rPr lang="en-US"/>
               <a:t>Fifth level</a:t>
             </a:r>
-            <a:endParaRPr lang="en-US"/>
           </a:p>
         </p:txBody>
       </p:sp>
@@ -1298,38 +1303,37 @@
           <a:p>
             <a:pPr lvl="0"/>
             <a:r>
-              <a:rPr lang="en-US" smtClean="0"/>
+              <a:rPr lang="en-US"/>
               <a:t>Click to edit Master text styles</a:t>
             </a:r>
           </a:p>
           <a:p>
             <a:pPr lvl="1"/>
             <a:r>
-              <a:rPr lang="en-US" smtClean="0"/>
+              <a:rPr lang="en-US"/>
               <a:t>Second level</a:t>
             </a:r>
           </a:p>
           <a:p>
             <a:pPr lvl="2"/>
             <a:r>
-              <a:rPr lang="en-US" smtClean="0"/>
+              <a:rPr lang="en-US"/>
               <a:t>Third level</a:t>
             </a:r>
           </a:p>
           <a:p>
             <a:pPr lvl="3"/>
             <a:r>
-              <a:rPr lang="en-US" smtClean="0"/>
+              <a:rPr lang="en-US"/>
               <a:t>Fourth level</a:t>
             </a:r>
           </a:p>
           <a:p>
             <a:pPr lvl="4"/>
             <a:r>
-              <a:rPr lang="en-US" smtClean="0"/>
+              <a:rPr lang="en-US"/>
               <a:t>Fifth level</a:t>
             </a:r>
-            <a:endParaRPr lang="en-US"/>
           </a:p>
         </p:txBody>
       </p:sp>
@@ -1350,7 +1354,7 @@
           <a:p>
             <a:fld id="{0D52D31C-81F1-4F48-BA35-B36136AFFF74}" type="datetimeFigureOut">
               <a:rPr lang="en-US" smtClean="0"/>
-              <a:t>11/22/2019</a:t>
+              <a:t>11/23/2019</a:t>
             </a:fld>
             <a:endParaRPr lang="en-US"/>
           </a:p>
@@ -1448,10 +1452,9 @@
           </a:lstStyle>
           <a:p>
             <a:r>
-              <a:rPr lang="en-US" smtClean="0"/>
+              <a:rPr lang="en-US"/>
               <a:t>Click to edit Master title style</a:t>
             </a:r>
-            <a:endParaRPr lang="en-US"/>
           </a:p>
         </p:txBody>
       </p:sp>
@@ -1514,7 +1517,7 @@
           <a:p>
             <a:pPr lvl="0"/>
             <a:r>
-              <a:rPr lang="en-US" smtClean="0"/>
+              <a:rPr lang="en-US"/>
               <a:t>Click to edit Master text styles</a:t>
             </a:r>
           </a:p>
@@ -1570,38 +1573,37 @@
           <a:p>
             <a:pPr lvl="0"/>
             <a:r>
-              <a:rPr lang="en-US" smtClean="0"/>
+              <a:rPr lang="en-US"/>
               <a:t>Click to edit Master text styles</a:t>
             </a:r>
           </a:p>
           <a:p>
             <a:pPr lvl="1"/>
             <a:r>
-              <a:rPr lang="en-US" smtClean="0"/>
+              <a:rPr lang="en-US"/>
               <a:t>Second level</a:t>
             </a:r>
           </a:p>
           <a:p>
             <a:pPr lvl="2"/>
             <a:r>
-              <a:rPr lang="en-US" smtClean="0"/>
+              <a:rPr lang="en-US"/>
               <a:t>Third level</a:t>
             </a:r>
           </a:p>
           <a:p>
             <a:pPr lvl="3"/>
             <a:r>
-              <a:rPr lang="en-US" smtClean="0"/>
+              <a:rPr lang="en-US"/>
               <a:t>Fourth level</a:t>
             </a:r>
           </a:p>
           <a:p>
             <a:pPr lvl="4"/>
             <a:r>
-              <a:rPr lang="en-US" smtClean="0"/>
+              <a:rPr lang="en-US"/>
               <a:t>Fifth level</a:t>
             </a:r>
-            <a:endParaRPr lang="en-US"/>
           </a:p>
         </p:txBody>
       </p:sp>
@@ -1664,7 +1666,7 @@
           <a:p>
             <a:pPr lvl="0"/>
             <a:r>
-              <a:rPr lang="en-US" smtClean="0"/>
+              <a:rPr lang="en-US"/>
               <a:t>Click to edit Master text styles</a:t>
             </a:r>
           </a:p>
@@ -1720,38 +1722,37 @@
           <a:p>
             <a:pPr lvl="0"/>
             <a:r>
-              <a:rPr lang="en-US" smtClean="0"/>
+              <a:rPr lang="en-US"/>
               <a:t>Click to edit Master text styles</a:t>
             </a:r>
           </a:p>
           <a:p>
             <a:pPr lvl="1"/>
             <a:r>
-              <a:rPr lang="en-US" smtClean="0"/>
+              <a:rPr lang="en-US"/>
               <a:t>Second level</a:t>
             </a:r>
           </a:p>
           <a:p>
             <a:pPr lvl="2"/>
             <a:r>
-              <a:rPr lang="en-US" smtClean="0"/>
+              <a:rPr lang="en-US"/>
               <a:t>Third level</a:t>
             </a:r>
           </a:p>
           <a:p>
             <a:pPr lvl="3"/>
             <a:r>
-              <a:rPr lang="en-US" smtClean="0"/>
+              <a:rPr lang="en-US"/>
               <a:t>Fourth level</a:t>
             </a:r>
           </a:p>
           <a:p>
             <a:pPr lvl="4"/>
             <a:r>
-              <a:rPr lang="en-US" smtClean="0"/>
+              <a:rPr lang="en-US"/>
               <a:t>Fifth level</a:t>
             </a:r>
-            <a:endParaRPr lang="en-US"/>
           </a:p>
         </p:txBody>
       </p:sp>
@@ -1772,7 +1773,7 @@
           <a:p>
             <a:fld id="{0D52D31C-81F1-4F48-BA35-B36136AFFF74}" type="datetimeFigureOut">
               <a:rPr lang="en-US" smtClean="0"/>
-              <a:t>11/22/2019</a:t>
+              <a:t>11/23/2019</a:t>
             </a:fld>
             <a:endParaRPr lang="en-US"/>
           </a:p>
@@ -1866,10 +1867,9 @@
           <a:lstStyle/>
           <a:p>
             <a:r>
-              <a:rPr lang="en-US" smtClean="0"/>
+              <a:rPr lang="en-US"/>
               <a:t>Click to edit Master title style</a:t>
             </a:r>
-            <a:endParaRPr lang="en-US"/>
           </a:p>
         </p:txBody>
       </p:sp>
@@ -1890,7 +1890,7 @@
           <a:p>
             <a:fld id="{0D52D31C-81F1-4F48-BA35-B36136AFFF74}" type="datetimeFigureOut">
               <a:rPr lang="en-US" smtClean="0"/>
-              <a:t>11/22/2019</a:t>
+              <a:t>11/23/2019</a:t>
             </a:fld>
             <a:endParaRPr lang="en-US"/>
           </a:p>
@@ -1985,7 +1985,7 @@
           <a:p>
             <a:fld id="{0D52D31C-81F1-4F48-BA35-B36136AFFF74}" type="datetimeFigureOut">
               <a:rPr lang="en-US" smtClean="0"/>
-              <a:t>11/22/2019</a:t>
+              <a:t>11/23/2019</a:t>
             </a:fld>
             <a:endParaRPr lang="en-US"/>
           </a:p>
@@ -2088,10 +2088,9 @@
           </a:lstStyle>
           <a:p>
             <a:r>
-              <a:rPr lang="en-US" smtClean="0"/>
+              <a:rPr lang="en-US"/>
               <a:t>Click to edit Master title style</a:t>
             </a:r>
-            <a:endParaRPr lang="en-US"/>
           </a:p>
         </p:txBody>
       </p:sp>
@@ -2145,38 +2144,37 @@
           <a:p>
             <a:pPr lvl="0"/>
             <a:r>
-              <a:rPr lang="en-US" smtClean="0"/>
+              <a:rPr lang="en-US"/>
               <a:t>Click to edit Master text styles</a:t>
             </a:r>
           </a:p>
           <a:p>
             <a:pPr lvl="1"/>
             <a:r>
-              <a:rPr lang="en-US" smtClean="0"/>
+              <a:rPr lang="en-US"/>
               <a:t>Second level</a:t>
             </a:r>
           </a:p>
           <a:p>
             <a:pPr lvl="2"/>
             <a:r>
-              <a:rPr lang="en-US" smtClean="0"/>
+              <a:rPr lang="en-US"/>
               <a:t>Third level</a:t>
             </a:r>
           </a:p>
           <a:p>
             <a:pPr lvl="3"/>
             <a:r>
-              <a:rPr lang="en-US" smtClean="0"/>
+              <a:rPr lang="en-US"/>
               <a:t>Fourth level</a:t>
             </a:r>
           </a:p>
           <a:p>
             <a:pPr lvl="4"/>
             <a:r>
-              <a:rPr lang="en-US" smtClean="0"/>
+              <a:rPr lang="en-US"/>
               <a:t>Fifth level</a:t>
             </a:r>
-            <a:endParaRPr lang="en-US"/>
           </a:p>
         </p:txBody>
       </p:sp>
@@ -2239,7 +2237,7 @@
           <a:p>
             <a:pPr lvl="0"/>
             <a:r>
-              <a:rPr lang="en-US" smtClean="0"/>
+              <a:rPr lang="en-US"/>
               <a:t>Click to edit Master text styles</a:t>
             </a:r>
           </a:p>
@@ -2262,7 +2260,7 @@
           <a:p>
             <a:fld id="{0D52D31C-81F1-4F48-BA35-B36136AFFF74}" type="datetimeFigureOut">
               <a:rPr lang="en-US" smtClean="0"/>
-              <a:t>11/22/2019</a:t>
+              <a:t>11/23/2019</a:t>
             </a:fld>
             <a:endParaRPr lang="en-US"/>
           </a:p>
@@ -2365,10 +2363,9 @@
           </a:lstStyle>
           <a:p>
             <a:r>
-              <a:rPr lang="en-US" smtClean="0"/>
+              <a:rPr lang="en-US"/>
               <a:t>Click to edit Master title style</a:t>
             </a:r>
-            <a:endParaRPr lang="en-US"/>
           </a:p>
         </p:txBody>
       </p:sp>
@@ -2492,7 +2489,7 @@
           <a:p>
             <a:pPr lvl="0"/>
             <a:r>
-              <a:rPr lang="en-US" smtClean="0"/>
+              <a:rPr lang="en-US"/>
               <a:t>Click to edit Master text styles</a:t>
             </a:r>
           </a:p>
@@ -2515,7 +2512,7 @@
           <a:p>
             <a:fld id="{0D52D31C-81F1-4F48-BA35-B36136AFFF74}" type="datetimeFigureOut">
               <a:rPr lang="en-US" smtClean="0"/>
-              <a:t>11/22/2019</a:t>
+              <a:t>11/23/2019</a:t>
             </a:fld>
             <a:endParaRPr lang="en-US"/>
           </a:p>
@@ -2624,10 +2621,9 @@
           <a:lstStyle/>
           <a:p>
             <a:r>
-              <a:rPr lang="en-US" smtClean="0"/>
+              <a:rPr lang="en-US"/>
               <a:t>Click to edit Master title style</a:t>
             </a:r>
-            <a:endParaRPr lang="en-US"/>
           </a:p>
         </p:txBody>
       </p:sp>
@@ -2658,38 +2654,37 @@
           <a:p>
             <a:pPr lvl="0"/>
             <a:r>
-              <a:rPr lang="en-US" smtClean="0"/>
+              <a:rPr lang="en-US"/>
               <a:t>Click to edit Master text styles</a:t>
             </a:r>
           </a:p>
           <a:p>
             <a:pPr lvl="1"/>
             <a:r>
-              <a:rPr lang="en-US" smtClean="0"/>
+              <a:rPr lang="en-US"/>
               <a:t>Second level</a:t>
             </a:r>
           </a:p>
           <a:p>
             <a:pPr lvl="2"/>
             <a:r>
-              <a:rPr lang="en-US" smtClean="0"/>
+              <a:rPr lang="en-US"/>
               <a:t>Third level</a:t>
             </a:r>
           </a:p>
           <a:p>
             <a:pPr lvl="3"/>
             <a:r>
-              <a:rPr lang="en-US" smtClean="0"/>
+              <a:rPr lang="en-US"/>
               <a:t>Fourth level</a:t>
             </a:r>
           </a:p>
           <a:p>
             <a:pPr lvl="4"/>
             <a:r>
-              <a:rPr lang="en-US" smtClean="0"/>
+              <a:rPr lang="en-US"/>
               <a:t>Fifth level</a:t>
             </a:r>
-            <a:endParaRPr lang="en-US"/>
           </a:p>
         </p:txBody>
       </p:sp>
@@ -2728,7 +2723,7 @@
           <a:p>
             <a:fld id="{0D52D31C-81F1-4F48-BA35-B36136AFFF74}" type="datetimeFigureOut">
               <a:rPr lang="en-US" smtClean="0"/>
-              <a:t>11/22/2019</a:t>
+              <a:t>11/23/2019</a:t>
             </a:fld>
             <a:endParaRPr lang="en-US"/>
           </a:p>
@@ -3139,18 +3134,13 @@
           <a:p>
             <a:pPr algn="ctr"/>
             <a:r>
-              <a:rPr lang="en-US" dirty="0" smtClean="0">
+              <a:rPr lang="en-US" dirty="0">
                 <a:solidFill>
                   <a:schemeClr val="tx1"/>
                 </a:solidFill>
               </a:rPr>
               <a:t>player</a:t>
             </a:r>
-            <a:endParaRPr lang="en-US" dirty="0">
-              <a:solidFill>
-                <a:schemeClr val="tx1"/>
-              </a:solidFill>
-            </a:endParaRPr>
           </a:p>
         </p:txBody>
       </p:sp>
@@ -3281,10 +3271,9 @@
           <a:lstStyle/>
           <a:p>
             <a:r>
-              <a:rPr lang="en-US" dirty="0" smtClean="0"/>
+              <a:rPr lang="en-US" dirty="0"/>
               <a:t>Log In</a:t>
             </a:r>
-            <a:endParaRPr lang="en-US" dirty="0"/>
           </a:p>
         </p:txBody>
       </p:sp>
@@ -3311,10 +3300,9 @@
           <a:lstStyle/>
           <a:p>
             <a:r>
-              <a:rPr lang="en-US" dirty="0" smtClean="0"/>
+              <a:rPr lang="en-US" dirty="0"/>
               <a:t>Game Details</a:t>
             </a:r>
-            <a:endParaRPr lang="en-US" dirty="0"/>
           </a:p>
         </p:txBody>
       </p:sp>
@@ -3341,10 +3329,9 @@
           <a:lstStyle/>
           <a:p>
             <a:r>
-              <a:rPr lang="en-US" dirty="0" smtClean="0"/>
+              <a:rPr lang="en-US" dirty="0"/>
               <a:t>Chess</a:t>
             </a:r>
-            <a:endParaRPr lang="en-US" dirty="0"/>
           </a:p>
         </p:txBody>
       </p:sp>
@@ -3493,10 +3480,9 @@
           <a:lstStyle/>
           <a:p>
             <a:r>
-              <a:rPr lang="en-US" dirty="0" smtClean="0"/>
+              <a:rPr lang="en-US" dirty="0"/>
               <a:t>Player Details</a:t>
             </a:r>
-            <a:endParaRPr lang="en-US" dirty="0"/>
           </a:p>
         </p:txBody>
       </p:sp>
@@ -3645,10 +3631,9 @@
           <a:lstStyle/>
           <a:p>
             <a:r>
-              <a:rPr lang="en-US" dirty="0" smtClean="0"/>
+              <a:rPr lang="en-US" dirty="0"/>
               <a:t>Game Details</a:t>
             </a:r>
-            <a:endParaRPr lang="en-US" dirty="0"/>
           </a:p>
         </p:txBody>
       </p:sp>
@@ -3741,10 +3726,9 @@
           <a:lstStyle/>
           <a:p>
             <a:r>
-              <a:rPr lang="en-US" dirty="0" smtClean="0"/>
+              <a:rPr lang="en-US" dirty="0"/>
               <a:t>Player Data</a:t>
             </a:r>
-            <a:endParaRPr lang="en-US" dirty="0"/>
           </a:p>
         </p:txBody>
       </p:sp>
@@ -3771,10 +3755,9 @@
           <a:lstStyle/>
           <a:p>
             <a:r>
-              <a:rPr lang="en-US" dirty="0" smtClean="0"/>
+              <a:rPr lang="en-US" dirty="0"/>
               <a:t>update</a:t>
             </a:r>
-            <a:endParaRPr lang="en-US" dirty="0"/>
           </a:p>
         </p:txBody>
       </p:sp>
@@ -3801,7 +3784,7 @@
           <a:lstStyle/>
           <a:p>
             <a:r>
-              <a:rPr lang="en-US" b="1" dirty="0" smtClean="0">
+              <a:rPr lang="en-US" b="1" dirty="0">
                 <a:effectLst>
                   <a:outerShdw blurRad="38100" dist="38100" dir="2700000" algn="tl">
                     <a:srgbClr val="000000">
@@ -3813,7 +3796,7 @@
               <a:t>0</a:t>
             </a:r>
             <a:r>
-              <a:rPr lang="en-US" b="1" baseline="30000" dirty="0" smtClean="0">
+              <a:rPr lang="en-US" b="1" baseline="30000" dirty="0">
                 <a:effectLst>
                   <a:outerShdw blurRad="38100" dist="38100" dir="2700000" algn="tl">
                     <a:srgbClr val="000000">
@@ -3825,7 +3808,7 @@
               <a:t>th</a:t>
             </a:r>
             <a:r>
-              <a:rPr lang="en-US" b="1" dirty="0" smtClean="0">
+              <a:rPr lang="en-US" b="1" dirty="0">
                 <a:effectLst>
                   <a:outerShdw blurRad="38100" dist="38100" dir="2700000" algn="tl">
                     <a:srgbClr val="000000">
@@ -3836,15 +3819,6 @@
               </a:rPr>
               <a:t> level:-</a:t>
             </a:r>
-            <a:endParaRPr lang="en-US" b="1" dirty="0">
-              <a:effectLst>
-                <a:outerShdw blurRad="38100" dist="38100" dir="2700000" algn="tl">
-                  <a:srgbClr val="000000">
-                    <a:alpha val="43137"/>
-                  </a:srgbClr>
-                </a:outerShdw>
-              </a:effectLst>
-            </a:endParaRPr>
           </a:p>
         </p:txBody>
       </p:sp>
@@ -3923,18 +3897,13 @@
           <a:p>
             <a:pPr algn="ctr"/>
             <a:r>
-              <a:rPr lang="en-US" dirty="0" smtClean="0">
+              <a:rPr lang="en-US" dirty="0">
                 <a:solidFill>
                   <a:schemeClr val="tx1"/>
                 </a:solidFill>
               </a:rPr>
               <a:t>Player</a:t>
             </a:r>
-            <a:endParaRPr lang="en-US" dirty="0">
-              <a:solidFill>
-                <a:schemeClr val="tx1"/>
-              </a:solidFill>
-            </a:endParaRPr>
           </a:p>
         </p:txBody>
       </p:sp>
@@ -3983,18 +3952,13 @@
           <a:p>
             <a:pPr algn="ctr"/>
             <a:r>
-              <a:rPr lang="en-US" dirty="0" smtClean="0">
+              <a:rPr lang="en-US" dirty="0">
                 <a:solidFill>
                   <a:schemeClr val="tx1"/>
                 </a:solidFill>
               </a:rPr>
               <a:t>Log In</a:t>
             </a:r>
-            <a:endParaRPr lang="en-US" dirty="0">
-              <a:solidFill>
-                <a:schemeClr val="tx1"/>
-              </a:solidFill>
-            </a:endParaRPr>
           </a:p>
         </p:txBody>
       </p:sp>
@@ -4054,10 +4018,9 @@
           <a:lstStyle/>
           <a:p>
             <a:r>
-              <a:rPr lang="en-US" dirty="0" smtClean="0"/>
+              <a:rPr lang="en-US" dirty="0"/>
               <a:t>User ID</a:t>
             </a:r>
-            <a:endParaRPr lang="en-US" dirty="0"/>
           </a:p>
         </p:txBody>
       </p:sp>
@@ -4117,10 +4080,9 @@
           <a:lstStyle/>
           <a:p>
             <a:r>
-              <a:rPr lang="en-US" dirty="0" smtClean="0"/>
+              <a:rPr lang="en-US" dirty="0"/>
               <a:t>Response</a:t>
             </a:r>
-            <a:endParaRPr lang="en-US" dirty="0"/>
           </a:p>
         </p:txBody>
       </p:sp>
@@ -4239,10 +4201,9 @@
           <a:lstStyle/>
           <a:p>
             <a:r>
-              <a:rPr lang="en-US" dirty="0" smtClean="0"/>
+              <a:rPr lang="en-US" dirty="0"/>
               <a:t>Player Details</a:t>
             </a:r>
-            <a:endParaRPr lang="en-US" dirty="0"/>
           </a:p>
         </p:txBody>
       </p:sp>
@@ -4291,18 +4252,13 @@
           <a:p>
             <a:pPr algn="ctr"/>
             <a:r>
-              <a:rPr lang="en-US" dirty="0" smtClean="0">
+              <a:rPr lang="en-US" dirty="0">
                 <a:solidFill>
                   <a:schemeClr val="tx1"/>
                 </a:solidFill>
               </a:rPr>
               <a:t>Invite</a:t>
             </a:r>
-            <a:endParaRPr lang="en-US" dirty="0">
-              <a:solidFill>
-                <a:schemeClr val="tx1"/>
-              </a:solidFill>
-            </a:endParaRPr>
           </a:p>
         </p:txBody>
       </p:sp>
@@ -4451,10 +4407,9 @@
           <a:lstStyle/>
           <a:p>
             <a:r>
-              <a:rPr lang="en-US" dirty="0" smtClean="0"/>
+              <a:rPr lang="en-US" dirty="0"/>
               <a:t>Invite Details</a:t>
             </a:r>
-            <a:endParaRPr lang="en-US" dirty="0"/>
           </a:p>
         </p:txBody>
       </p:sp>
@@ -4603,10 +4558,9 @@
           <a:lstStyle/>
           <a:p>
             <a:r>
-              <a:rPr lang="en-US" dirty="0" smtClean="0"/>
+              <a:rPr lang="en-US" dirty="0"/>
               <a:t>Game Details</a:t>
             </a:r>
-            <a:endParaRPr lang="en-US" dirty="0"/>
           </a:p>
         </p:txBody>
       </p:sp>
@@ -4685,18 +4639,13 @@
           <a:p>
             <a:pPr algn="ctr"/>
             <a:r>
-              <a:rPr lang="en-US" dirty="0" smtClean="0">
+              <a:rPr lang="en-US" dirty="0">
                 <a:solidFill>
                   <a:schemeClr val="tx1"/>
                 </a:solidFill>
               </a:rPr>
               <a:t>Play</a:t>
             </a:r>
-            <a:endParaRPr lang="en-US" dirty="0">
-              <a:solidFill>
-                <a:schemeClr val="tx1"/>
-              </a:solidFill>
-            </a:endParaRPr>
           </a:p>
         </p:txBody>
       </p:sp>
@@ -4760,10 +4709,9 @@
           <a:lstStyle/>
           <a:p>
             <a:r>
-              <a:rPr lang="en-US" dirty="0" smtClean="0"/>
+              <a:rPr lang="en-US" dirty="0"/>
               <a:t>Send</a:t>
             </a:r>
-            <a:endParaRPr lang="en-US" dirty="0"/>
           </a:p>
         </p:txBody>
       </p:sp>
@@ -4855,10 +4803,9 @@
           <a:lstStyle/>
           <a:p>
             <a:r>
-              <a:rPr lang="en-US" dirty="0" smtClean="0"/>
+              <a:rPr lang="en-US" dirty="0"/>
               <a:t>Confirmation</a:t>
             </a:r>
-            <a:endParaRPr lang="en-US" dirty="0"/>
           </a:p>
         </p:txBody>
       </p:sp>
@@ -4920,10 +4867,9 @@
           <a:lstStyle/>
           <a:p>
             <a:r>
-              <a:rPr lang="en-US" dirty="0" smtClean="0"/>
+              <a:rPr lang="en-US" dirty="0"/>
               <a:t>Send move/request</a:t>
             </a:r>
-            <a:endParaRPr lang="en-US" dirty="0"/>
           </a:p>
         </p:txBody>
       </p:sp>
@@ -4985,10 +4931,9 @@
           <a:lstStyle/>
           <a:p>
             <a:r>
-              <a:rPr lang="en-US" dirty="0" smtClean="0"/>
+              <a:rPr lang="en-US" dirty="0"/>
               <a:t>Receive opponent move/ request</a:t>
             </a:r>
-            <a:endParaRPr lang="en-US" dirty="0"/>
           </a:p>
         </p:txBody>
       </p:sp>
@@ -5048,10 +4993,9 @@
           <a:lstStyle/>
           <a:p>
             <a:r>
-              <a:rPr lang="en-US" dirty="0" smtClean="0"/>
+              <a:rPr lang="en-US" dirty="0"/>
               <a:t>User Info</a:t>
             </a:r>
-            <a:endParaRPr lang="en-US" dirty="0"/>
           </a:p>
         </p:txBody>
       </p:sp>
@@ -5111,10 +5055,9 @@
           <a:lstStyle/>
           <a:p>
             <a:r>
-              <a:rPr lang="en-US" dirty="0" smtClean="0"/>
+              <a:rPr lang="en-US" dirty="0"/>
               <a:t>Invite Info</a:t>
             </a:r>
-            <a:endParaRPr lang="en-US" dirty="0"/>
           </a:p>
         </p:txBody>
       </p:sp>
@@ -5176,10 +5119,9 @@
           <a:lstStyle/>
           <a:p>
             <a:r>
-              <a:rPr lang="en-US" dirty="0" smtClean="0"/>
+              <a:rPr lang="en-US" dirty="0"/>
               <a:t>Update</a:t>
             </a:r>
-            <a:endParaRPr lang="en-US" dirty="0"/>
           </a:p>
         </p:txBody>
       </p:sp>
@@ -5206,7 +5148,7 @@
           <a:lstStyle/>
           <a:p>
             <a:r>
-              <a:rPr lang="en-US" b="1" dirty="0" smtClean="0">
+              <a:rPr lang="en-US" b="1" dirty="0">
                 <a:effectLst>
                   <a:outerShdw blurRad="38100" dist="38100" dir="2700000" algn="tl">
                     <a:srgbClr val="000000">
@@ -5218,7 +5160,7 @@
               <a:t>1</a:t>
             </a:r>
             <a:r>
-              <a:rPr lang="en-US" b="1" baseline="30000" dirty="0" smtClean="0">
+              <a:rPr lang="en-US" b="1" baseline="30000" dirty="0">
                 <a:effectLst>
                   <a:outerShdw blurRad="38100" dist="38100" dir="2700000" algn="tl">
                     <a:srgbClr val="000000">
@@ -5230,7 +5172,7 @@
               <a:t>st</a:t>
             </a:r>
             <a:r>
-              <a:rPr lang="en-US" b="1" dirty="0" smtClean="0">
+              <a:rPr lang="en-US" b="1" dirty="0">
                 <a:effectLst>
                   <a:outerShdw blurRad="38100" dist="38100" dir="2700000" algn="tl">
                     <a:srgbClr val="000000">
@@ -5319,18 +5261,13 @@
           <a:p>
             <a:pPr algn="ctr"/>
             <a:r>
-              <a:rPr lang="en-US" dirty="0" smtClean="0">
+              <a:rPr lang="en-US" dirty="0">
                 <a:solidFill>
                   <a:schemeClr val="tx1"/>
                 </a:solidFill>
               </a:rPr>
               <a:t>Player</a:t>
             </a:r>
-            <a:endParaRPr lang="en-US" dirty="0">
-              <a:solidFill>
-                <a:schemeClr val="tx1"/>
-              </a:solidFill>
-            </a:endParaRPr>
           </a:p>
         </p:txBody>
       </p:sp>
@@ -5379,18 +5316,13 @@
           <a:p>
             <a:pPr algn="ctr"/>
             <a:r>
-              <a:rPr lang="en-US" dirty="0" smtClean="0">
+              <a:rPr lang="en-US" dirty="0">
                 <a:solidFill>
                   <a:schemeClr val="tx1"/>
                 </a:solidFill>
               </a:rPr>
               <a:t>Start</a:t>
             </a:r>
-            <a:endParaRPr lang="en-US" dirty="0">
-              <a:solidFill>
-                <a:schemeClr val="tx1"/>
-              </a:solidFill>
-            </a:endParaRPr>
           </a:p>
         </p:txBody>
       </p:sp>
@@ -5439,18 +5371,13 @@
           <a:p>
             <a:pPr algn="ctr"/>
             <a:r>
-              <a:rPr lang="en-US" dirty="0" smtClean="0">
+              <a:rPr lang="en-US" dirty="0">
                 <a:solidFill>
                   <a:schemeClr val="tx1"/>
                 </a:solidFill>
               </a:rPr>
               <a:t>Opponent</a:t>
             </a:r>
-            <a:endParaRPr lang="en-US" dirty="0">
-              <a:solidFill>
-                <a:schemeClr val="tx1"/>
-              </a:solidFill>
-            </a:endParaRPr>
           </a:p>
         </p:txBody>
       </p:sp>
@@ -5513,10 +5440,9 @@
           <a:lstStyle/>
           <a:p>
             <a:r>
-              <a:rPr lang="en-US" dirty="0" smtClean="0"/>
+              <a:rPr lang="en-US" dirty="0"/>
               <a:t>Game Id</a:t>
             </a:r>
-            <a:endParaRPr lang="en-US" dirty="0"/>
           </a:p>
         </p:txBody>
       </p:sp>
@@ -5579,10 +5505,9 @@
           <a:lstStyle/>
           <a:p>
             <a:r>
-              <a:rPr lang="en-US" dirty="0" smtClean="0"/>
+              <a:rPr lang="en-US" dirty="0"/>
               <a:t>Game Id</a:t>
             </a:r>
-            <a:endParaRPr lang="en-US" dirty="0"/>
           </a:p>
         </p:txBody>
       </p:sp>
@@ -5701,10 +5626,9 @@
           <a:lstStyle/>
           <a:p>
             <a:r>
-              <a:rPr lang="en-US" dirty="0" smtClean="0"/>
+              <a:rPr lang="en-US" dirty="0"/>
               <a:t>Game Details</a:t>
             </a:r>
-            <a:endParaRPr lang="en-US" dirty="0"/>
           </a:p>
         </p:txBody>
       </p:sp>
@@ -5818,18 +5742,13 @@
           <a:p>
             <a:pPr algn="ctr"/>
             <a:r>
-              <a:rPr lang="en-US" dirty="0" smtClean="0">
+              <a:rPr lang="en-US" dirty="0">
                 <a:solidFill>
                   <a:schemeClr val="tx1"/>
                 </a:solidFill>
               </a:rPr>
               <a:t>Play</a:t>
             </a:r>
-            <a:endParaRPr lang="en-US" dirty="0">
-              <a:solidFill>
-                <a:schemeClr val="tx1"/>
-              </a:solidFill>
-            </a:endParaRPr>
           </a:p>
         </p:txBody>
       </p:sp>
@@ -5878,18 +5797,13 @@
           <a:p>
             <a:pPr algn="ctr"/>
             <a:r>
-              <a:rPr lang="en-US" dirty="0" smtClean="0">
+              <a:rPr lang="en-US" dirty="0">
                 <a:solidFill>
                   <a:schemeClr val="tx1"/>
                 </a:solidFill>
               </a:rPr>
               <a:t>Chat</a:t>
             </a:r>
-            <a:endParaRPr lang="en-US" dirty="0">
-              <a:solidFill>
-                <a:schemeClr val="tx1"/>
-              </a:solidFill>
-            </a:endParaRPr>
           </a:p>
         </p:txBody>
       </p:sp>
@@ -5951,10 +5865,9 @@
           <a:lstStyle/>
           <a:p>
             <a:r>
-              <a:rPr lang="en-US" dirty="0" smtClean="0"/>
+              <a:rPr lang="en-US" dirty="0"/>
               <a:t>Send move/message/ request</a:t>
             </a:r>
-            <a:endParaRPr lang="en-US" dirty="0"/>
           </a:p>
         </p:txBody>
       </p:sp>
@@ -6016,10 +5929,9 @@
           <a:lstStyle/>
           <a:p>
             <a:r>
-              <a:rPr lang="en-US" dirty="0" smtClean="0"/>
+              <a:rPr lang="en-US" dirty="0"/>
               <a:t>Receive move/message/ request</a:t>
             </a:r>
-            <a:endParaRPr lang="en-US" dirty="0"/>
           </a:p>
         </p:txBody>
       </p:sp>
@@ -6081,10 +5993,9 @@
           <a:lstStyle/>
           <a:p>
             <a:r>
-              <a:rPr lang="en-US" dirty="0" smtClean="0"/>
+              <a:rPr lang="en-US" dirty="0"/>
               <a:t>message</a:t>
             </a:r>
-            <a:endParaRPr lang="en-US" dirty="0"/>
           </a:p>
         </p:txBody>
       </p:sp>
@@ -6146,10 +6057,9 @@
           <a:lstStyle/>
           <a:p>
             <a:r>
-              <a:rPr lang="en-US" dirty="0" smtClean="0"/>
+              <a:rPr lang="en-US" dirty="0"/>
               <a:t>message</a:t>
             </a:r>
-            <a:endParaRPr lang="en-US" dirty="0"/>
           </a:p>
         </p:txBody>
       </p:sp>
@@ -6176,7 +6086,7 @@
           <a:lstStyle/>
           <a:p>
             <a:r>
-              <a:rPr lang="en-US" b="1" dirty="0" smtClean="0">
+              <a:rPr lang="en-US" b="1" dirty="0">
                 <a:effectLst>
                   <a:outerShdw blurRad="38100" dist="38100" dir="2700000" algn="tl">
                     <a:srgbClr val="000000">
@@ -6188,7 +6098,7 @@
               <a:t>2</a:t>
             </a:r>
             <a:r>
-              <a:rPr lang="en-US" b="1" baseline="30000" dirty="0" smtClean="0">
+              <a:rPr lang="en-US" b="1" baseline="30000" dirty="0">
                 <a:effectLst>
                   <a:outerShdw blurRad="38100" dist="38100" dir="2700000" algn="tl">
                     <a:srgbClr val="000000">
@@ -6200,7 +6110,7 @@
               <a:t>nd</a:t>
             </a:r>
             <a:r>
-              <a:rPr lang="en-US" b="1" dirty="0" smtClean="0">
+              <a:rPr lang="en-US" b="1" dirty="0">
                 <a:effectLst>
                   <a:outerShdw blurRad="38100" dist="38100" dir="2700000" algn="tl">
                     <a:srgbClr val="000000">
@@ -6223,19 +6133,7 @@
                   </a:outerShdw>
                 </a:effectLst>
               </a:rPr>
-              <a:t>	</a:t>
-            </a:r>
-            <a:r>
-              <a:rPr lang="en-US" b="1" dirty="0" smtClean="0">
-                <a:effectLst>
-                  <a:outerShdw blurRad="38100" dist="38100" dir="2700000" algn="tl">
-                    <a:srgbClr val="000000">
-                      <a:alpha val="43137"/>
-                    </a:srgbClr>
-                  </a:outerShdw>
-                </a:effectLst>
-              </a:rPr>
-              <a:t>i)</a:t>
+              <a:t>	i)</a:t>
             </a:r>
           </a:p>
         </p:txBody>
@@ -6263,10 +6161,9 @@
           <a:lstStyle/>
           <a:p>
             <a:r>
-              <a:rPr lang="en-US" dirty="0" smtClean="0"/>
+              <a:rPr lang="en-US" dirty="0"/>
               <a:t>Receive move/message/ request</a:t>
             </a:r>
-            <a:endParaRPr lang="en-US" dirty="0"/>
           </a:p>
         </p:txBody>
       </p:sp>
@@ -6361,10 +6258,9 @@
           <a:lstStyle/>
           <a:p>
             <a:r>
-              <a:rPr lang="en-US" dirty="0" smtClean="0"/>
+              <a:rPr lang="en-US" dirty="0"/>
               <a:t>Send move/message/ request</a:t>
             </a:r>
-            <a:endParaRPr lang="en-US" dirty="0"/>
           </a:p>
         </p:txBody>
       </p:sp>
@@ -6443,18 +6339,13 @@
           <a:p>
             <a:pPr algn="ctr"/>
             <a:r>
-              <a:rPr lang="en-US" dirty="0" smtClean="0">
+              <a:rPr lang="en-US" dirty="0">
                 <a:solidFill>
                   <a:schemeClr val="tx1"/>
                 </a:solidFill>
               </a:rPr>
               <a:t>Player</a:t>
             </a:r>
-            <a:endParaRPr lang="en-US" dirty="0">
-              <a:solidFill>
-                <a:schemeClr val="tx1"/>
-              </a:solidFill>
-            </a:endParaRPr>
           </a:p>
         </p:txBody>
       </p:sp>
@@ -6503,18 +6394,13 @@
           <a:p>
             <a:pPr algn="ctr"/>
             <a:r>
-              <a:rPr lang="en-US" dirty="0" smtClean="0">
+              <a:rPr lang="en-US" dirty="0">
                 <a:solidFill>
                   <a:schemeClr val="tx1"/>
                 </a:solidFill>
               </a:rPr>
               <a:t>Invite</a:t>
             </a:r>
-            <a:endParaRPr lang="en-US" dirty="0">
-              <a:solidFill>
-                <a:schemeClr val="tx1"/>
-              </a:solidFill>
-            </a:endParaRPr>
           </a:p>
         </p:txBody>
       </p:sp>
@@ -6577,10 +6463,9 @@
           <a:lstStyle/>
           <a:p>
             <a:r>
-              <a:rPr lang="en-US" dirty="0" smtClean="0"/>
+              <a:rPr lang="en-US" dirty="0"/>
               <a:t>User Id</a:t>
             </a:r>
-            <a:endParaRPr lang="en-US" dirty="0"/>
           </a:p>
         </p:txBody>
       </p:sp>
@@ -6629,18 +6514,13 @@
           <a:p>
             <a:pPr algn="ctr"/>
             <a:r>
-              <a:rPr lang="en-US" dirty="0" smtClean="0">
+              <a:rPr lang="en-US" dirty="0">
                 <a:solidFill>
                   <a:schemeClr val="tx1"/>
                 </a:solidFill>
               </a:rPr>
               <a:t>Cancel</a:t>
             </a:r>
-            <a:endParaRPr lang="en-US" dirty="0">
-              <a:solidFill>
-                <a:schemeClr val="tx1"/>
-              </a:solidFill>
-            </a:endParaRPr>
           </a:p>
         </p:txBody>
       </p:sp>
@@ -6702,10 +6582,9 @@
           <a:lstStyle/>
           <a:p>
             <a:r>
-              <a:rPr lang="en-US" dirty="0" smtClean="0"/>
+              <a:rPr lang="en-US" dirty="0"/>
               <a:t>Invite Id</a:t>
             </a:r>
-            <a:endParaRPr lang="en-US" dirty="0"/>
           </a:p>
         </p:txBody>
       </p:sp>
@@ -6824,10 +6703,9 @@
           <a:lstStyle/>
           <a:p>
             <a:r>
-              <a:rPr lang="en-US" dirty="0" smtClean="0"/>
+              <a:rPr lang="en-US" dirty="0"/>
               <a:t>Invite Details</a:t>
             </a:r>
-            <a:endParaRPr lang="en-US" dirty="0"/>
           </a:p>
         </p:txBody>
       </p:sp>
@@ -6952,16 +6830,15 @@
           <a:lstStyle/>
           <a:p>
             <a:r>
-              <a:rPr lang="en-US" dirty="0" smtClean="0"/>
+              <a:rPr lang="en-US" dirty="0"/>
               <a:t>Invite </a:t>
             </a:r>
           </a:p>
           <a:p>
             <a:r>
-              <a:rPr lang="en-US" dirty="0" smtClean="0"/>
+              <a:rPr lang="en-US" dirty="0"/>
               <a:t>details</a:t>
             </a:r>
-            <a:endParaRPr lang="en-US" dirty="0"/>
           </a:p>
         </p:txBody>
       </p:sp>
@@ -7010,18 +6887,13 @@
           <a:p>
             <a:pPr algn="ctr"/>
             <a:r>
-              <a:rPr lang="en-US" dirty="0" smtClean="0">
+              <a:rPr lang="en-US" dirty="0">
                 <a:solidFill>
                   <a:schemeClr val="tx1"/>
                 </a:solidFill>
               </a:rPr>
               <a:t>Accept</a:t>
             </a:r>
-            <a:endParaRPr lang="en-US" dirty="0">
-              <a:solidFill>
-                <a:schemeClr val="tx1"/>
-              </a:solidFill>
-            </a:endParaRPr>
           </a:p>
         </p:txBody>
       </p:sp>
@@ -7070,18 +6942,13 @@
           <a:p>
             <a:pPr algn="ctr"/>
             <a:r>
-              <a:rPr lang="en-US" dirty="0" smtClean="0">
+              <a:rPr lang="en-US" dirty="0">
                 <a:solidFill>
                   <a:schemeClr val="tx1"/>
                 </a:solidFill>
               </a:rPr>
               <a:t>Reject</a:t>
             </a:r>
-            <a:endParaRPr lang="en-US" dirty="0">
-              <a:solidFill>
-                <a:schemeClr val="tx1"/>
-              </a:solidFill>
-            </a:endParaRPr>
           </a:p>
         </p:txBody>
       </p:sp>
@@ -7200,10 +7067,9 @@
           <a:lstStyle/>
           <a:p>
             <a:r>
-              <a:rPr lang="en-US" dirty="0" smtClean="0"/>
+              <a:rPr lang="en-US" dirty="0"/>
               <a:t>Invite Details</a:t>
             </a:r>
-            <a:endParaRPr lang="en-US" dirty="0"/>
           </a:p>
         </p:txBody>
       </p:sp>
@@ -7293,14 +7159,13 @@
           <a:lstStyle/>
           <a:p>
             <a:r>
-              <a:rPr lang="en-US" dirty="0" smtClean="0"/>
+              <a:rPr lang="en-US" dirty="0"/>
               <a:t>Updated</a:t>
             </a:r>
-            <a:endParaRPr lang="en-US" dirty="0"/>
-          </a:p>
-          <a:p>
-            <a:r>
-              <a:rPr lang="en-US" dirty="0" smtClean="0"/>
+          </a:p>
+          <a:p>
+            <a:r>
+              <a:rPr lang="en-US" dirty="0"/>
               <a:t>data</a:t>
             </a:r>
           </a:p>
@@ -7329,10 +7194,9 @@
           <a:lstStyle/>
           <a:p>
             <a:r>
-              <a:rPr lang="en-US" dirty="0" smtClean="0"/>
+              <a:rPr lang="en-US" dirty="0"/>
               <a:t>Invite Id</a:t>
             </a:r>
-            <a:endParaRPr lang="en-US" dirty="0"/>
           </a:p>
         </p:txBody>
       </p:sp>
@@ -7381,18 +7245,13 @@
           <a:p>
             <a:pPr algn="ctr"/>
             <a:r>
-              <a:rPr lang="en-US" dirty="0" smtClean="0">
+              <a:rPr lang="en-US" dirty="0">
                 <a:solidFill>
                   <a:schemeClr val="tx1"/>
                 </a:solidFill>
               </a:rPr>
               <a:t>Opponent</a:t>
             </a:r>
-            <a:endParaRPr lang="en-US" dirty="0">
-              <a:solidFill>
-                <a:schemeClr val="tx1"/>
-              </a:solidFill>
-            </a:endParaRPr>
           </a:p>
         </p:txBody>
       </p:sp>
@@ -7454,10 +7313,9 @@
           <a:lstStyle/>
           <a:p>
             <a:r>
-              <a:rPr lang="en-US" dirty="0" smtClean="0"/>
+              <a:rPr lang="en-US" dirty="0"/>
               <a:t>New games</a:t>
             </a:r>
-            <a:endParaRPr lang="en-US" dirty="0"/>
           </a:p>
         </p:txBody>
       </p:sp>
@@ -7517,10 +7375,9 @@
           <a:lstStyle/>
           <a:p>
             <a:r>
-              <a:rPr lang="en-US" dirty="0" smtClean="0"/>
+              <a:rPr lang="en-US" dirty="0"/>
               <a:t>Invite Id</a:t>
             </a:r>
-            <a:endParaRPr lang="en-US" dirty="0"/>
           </a:p>
         </p:txBody>
       </p:sp>
@@ -7584,10 +7441,9 @@
           <a:lstStyle/>
           <a:p>
             <a:r>
-              <a:rPr lang="en-US" dirty="0" smtClean="0"/>
+              <a:rPr lang="en-US" dirty="0"/>
               <a:t>Accepted signal</a:t>
             </a:r>
-            <a:endParaRPr lang="en-US" dirty="0"/>
           </a:p>
         </p:txBody>
       </p:sp>
@@ -7649,10 +7505,9 @@
           <a:lstStyle/>
           <a:p>
             <a:r>
-              <a:rPr lang="en-US" dirty="0" smtClean="0"/>
+              <a:rPr lang="en-US" dirty="0"/>
               <a:t>Received signal</a:t>
             </a:r>
-            <a:endParaRPr lang="en-US" dirty="0"/>
           </a:p>
         </p:txBody>
       </p:sp>
@@ -7664,7 +7519,7 @@
         </p:nvSpPr>
         <p:spPr>
           <a:xfrm>
-            <a:off x="609600" y="697468"/>
+            <a:off x="0" y="-63768"/>
             <a:ext cx="1292341" cy="646331"/>
           </a:xfrm>
           <a:prstGeom prst="rect">
@@ -7679,7 +7534,7 @@
           <a:lstStyle/>
           <a:p>
             <a:r>
-              <a:rPr lang="en-US" b="1" dirty="0" smtClean="0">
+              <a:rPr lang="en-US" b="1" dirty="0">
                 <a:effectLst>
                   <a:outerShdw blurRad="38100" dist="38100" dir="2700000" algn="tl">
                     <a:srgbClr val="000000">
@@ -7691,7 +7546,7 @@
               <a:t>2</a:t>
             </a:r>
             <a:r>
-              <a:rPr lang="en-US" b="1" baseline="30000" dirty="0" smtClean="0">
+              <a:rPr lang="en-US" b="1" baseline="30000" dirty="0">
                 <a:effectLst>
                   <a:outerShdw blurRad="38100" dist="38100" dir="2700000" algn="tl">
                     <a:srgbClr val="000000">
@@ -7703,7 +7558,7 @@
               <a:t>nd</a:t>
             </a:r>
             <a:r>
-              <a:rPr lang="en-US" b="1" dirty="0" smtClean="0">
+              <a:rPr lang="en-US" b="1" dirty="0">
                 <a:effectLst>
                   <a:outerShdw blurRad="38100" dist="38100" dir="2700000" algn="tl">
                     <a:srgbClr val="000000">
@@ -7726,29 +7581,8 @@
                   </a:outerShdw>
                 </a:effectLst>
               </a:rPr>
-              <a:t>	</a:t>
-            </a:r>
-            <a:r>
-              <a:rPr lang="en-US" b="1" dirty="0" smtClean="0">
-                <a:effectLst>
-                  <a:outerShdw blurRad="38100" dist="38100" dir="2700000" algn="tl">
-                    <a:srgbClr val="000000">
-                      <a:alpha val="43137"/>
-                    </a:srgbClr>
-                  </a:outerShdw>
-                </a:effectLst>
-              </a:rPr>
-              <a:t>ii)</a:t>
-            </a:r>
-            <a:endParaRPr lang="en-US" b="1" dirty="0">
-              <a:effectLst>
-                <a:outerShdw blurRad="38100" dist="38100" dir="2700000" algn="tl">
-                  <a:srgbClr val="000000">
-                    <a:alpha val="43137"/>
-                  </a:srgbClr>
-                </a:outerShdw>
-              </a:effectLst>
-            </a:endParaRPr>
+              <a:t>	ii)</a:t>
+            </a:r>
           </a:p>
         </p:txBody>
       </p:sp>
@@ -7827,18 +7661,13 @@
           <a:p>
             <a:pPr algn="ctr"/>
             <a:r>
-              <a:rPr lang="en-US" dirty="0" smtClean="0">
+              <a:rPr lang="en-US" dirty="0">
                 <a:solidFill>
                   <a:schemeClr val="tx1"/>
                 </a:solidFill>
               </a:rPr>
               <a:t>Player</a:t>
             </a:r>
-            <a:endParaRPr lang="en-US" dirty="0">
-              <a:solidFill>
-                <a:schemeClr val="tx1"/>
-              </a:solidFill>
-            </a:endParaRPr>
           </a:p>
         </p:txBody>
       </p:sp>
@@ -7887,18 +7716,13 @@
           <a:p>
             <a:pPr algn="ctr"/>
             <a:r>
-              <a:rPr lang="en-US" dirty="0" smtClean="0">
+              <a:rPr lang="en-US" dirty="0">
                 <a:solidFill>
                   <a:schemeClr val="tx1"/>
                 </a:solidFill>
               </a:rPr>
               <a:t>Invite id</a:t>
             </a:r>
-            <a:endParaRPr lang="en-US" dirty="0">
-              <a:solidFill>
-                <a:schemeClr val="tx1"/>
-              </a:solidFill>
-            </a:endParaRPr>
           </a:p>
         </p:txBody>
       </p:sp>
@@ -7947,18 +7771,13 @@
           <a:p>
             <a:pPr algn="ctr"/>
             <a:r>
-              <a:rPr lang="en-US" dirty="0" smtClean="0">
+              <a:rPr lang="en-US" dirty="0">
                 <a:solidFill>
                   <a:schemeClr val="tx1"/>
                 </a:solidFill>
               </a:rPr>
               <a:t>id</a:t>
             </a:r>
-            <a:endParaRPr lang="en-US" dirty="0">
-              <a:solidFill>
-                <a:schemeClr val="tx1"/>
-              </a:solidFill>
-            </a:endParaRPr>
           </a:p>
         </p:txBody>
       </p:sp>
@@ -8007,18 +7826,13 @@
           <a:p>
             <a:pPr algn="ctr"/>
             <a:r>
-              <a:rPr lang="en-US" dirty="0" smtClean="0">
+              <a:rPr lang="en-US" dirty="0">
                 <a:solidFill>
                   <a:schemeClr val="tx1"/>
                 </a:solidFill>
               </a:rPr>
               <a:t>Games</a:t>
             </a:r>
-            <a:endParaRPr lang="en-US" dirty="0">
-              <a:solidFill>
-                <a:schemeClr val="tx1"/>
-              </a:solidFill>
-            </a:endParaRPr>
           </a:p>
         </p:txBody>
       </p:sp>
@@ -8067,18 +7881,13 @@
           <a:p>
             <a:pPr algn="ctr"/>
             <a:r>
-              <a:rPr lang="en-US" dirty="0" smtClean="0">
+              <a:rPr lang="en-US" dirty="0">
                 <a:solidFill>
                   <a:schemeClr val="tx1"/>
                 </a:solidFill>
               </a:rPr>
               <a:t>Games</a:t>
             </a:r>
-            <a:endParaRPr lang="en-US" dirty="0">
-              <a:solidFill>
-                <a:schemeClr val="tx1"/>
-              </a:solidFill>
-            </a:endParaRPr>
           </a:p>
         </p:txBody>
       </p:sp>
@@ -8223,18 +8032,13 @@
           <a:p>
             <a:pPr algn="ctr"/>
             <a:r>
-              <a:rPr lang="en-US" dirty="0" smtClean="0">
+              <a:rPr lang="en-US" dirty="0">
                 <a:solidFill>
                   <a:schemeClr val="tx1"/>
                 </a:solidFill>
               </a:rPr>
               <a:t>Play</a:t>
             </a:r>
-            <a:endParaRPr lang="en-US" dirty="0">
-              <a:solidFill>
-                <a:schemeClr val="tx1"/>
-              </a:solidFill>
-            </a:endParaRPr>
           </a:p>
         </p:txBody>
       </p:sp>
@@ -8349,18 +8153,13 @@
           <a:p>
             <a:pPr algn="ctr"/>
             <a:r>
-              <a:rPr lang="en-US" dirty="0" smtClean="0">
+              <a:rPr lang="en-US" dirty="0">
                 <a:solidFill>
                   <a:schemeClr val="tx1"/>
                 </a:solidFill>
               </a:rPr>
               <a:t>Opponent</a:t>
             </a:r>
-            <a:endParaRPr lang="en-US" dirty="0">
-              <a:solidFill>
-                <a:schemeClr val="tx1"/>
-              </a:solidFill>
-            </a:endParaRPr>
           </a:p>
         </p:txBody>
       </p:sp>
@@ -8409,18 +8208,13 @@
           <a:p>
             <a:pPr algn="ctr"/>
             <a:r>
-              <a:rPr lang="en-US" dirty="0" smtClean="0">
+              <a:rPr lang="en-US" dirty="0">
                 <a:solidFill>
                   <a:schemeClr val="tx1"/>
                 </a:solidFill>
               </a:rPr>
               <a:t>Player</a:t>
             </a:r>
-            <a:endParaRPr lang="en-US" dirty="0">
-              <a:solidFill>
-                <a:schemeClr val="tx1"/>
-              </a:solidFill>
-            </a:endParaRPr>
           </a:p>
         </p:txBody>
       </p:sp>
@@ -8469,18 +8263,13 @@
           <a:p>
             <a:pPr algn="ctr"/>
             <a:r>
-              <a:rPr lang="en-US" dirty="0" smtClean="0">
+              <a:rPr lang="en-US" dirty="0">
                 <a:solidFill>
                   <a:schemeClr val="tx1"/>
                 </a:solidFill>
               </a:rPr>
               <a:t>Game Id</a:t>
             </a:r>
-            <a:endParaRPr lang="en-US" dirty="0">
-              <a:solidFill>
-                <a:schemeClr val="tx1"/>
-              </a:solidFill>
-            </a:endParaRPr>
           </a:p>
         </p:txBody>
       </p:sp>
@@ -8529,18 +8318,13 @@
           <a:p>
             <a:pPr algn="ctr"/>
             <a:r>
-              <a:rPr lang="en-US" dirty="0" smtClean="0">
+              <a:rPr lang="en-US" dirty="0">
                 <a:solidFill>
                   <a:schemeClr val="tx1"/>
                 </a:solidFill>
               </a:rPr>
               <a:t>Invite id</a:t>
             </a:r>
-            <a:endParaRPr lang="en-US" dirty="0">
-              <a:solidFill>
-                <a:schemeClr val="tx1"/>
-              </a:solidFill>
-            </a:endParaRPr>
           </a:p>
         </p:txBody>
       </p:sp>
@@ -8589,18 +8373,13 @@
           <a:p>
             <a:pPr algn="ctr"/>
             <a:r>
-              <a:rPr lang="en-US" dirty="0" smtClean="0">
+              <a:rPr lang="en-US" dirty="0">
                 <a:solidFill>
                   <a:schemeClr val="tx1"/>
                 </a:solidFill>
               </a:rPr>
               <a:t>Pieces</a:t>
             </a:r>
-            <a:endParaRPr lang="en-US" dirty="0">
-              <a:solidFill>
-                <a:schemeClr val="tx1"/>
-              </a:solidFill>
-            </a:endParaRPr>
           </a:p>
         </p:txBody>
       </p:sp>
@@ -8811,18 +8590,13 @@
           <a:p>
             <a:pPr algn="ctr"/>
             <a:r>
-              <a:rPr lang="en-US" dirty="0" smtClean="0">
+              <a:rPr lang="en-US" dirty="0">
                 <a:solidFill>
                   <a:schemeClr val="tx1"/>
                 </a:solidFill>
               </a:rPr>
               <a:t>Send</a:t>
             </a:r>
-            <a:endParaRPr lang="en-US" dirty="0">
-              <a:solidFill>
-                <a:schemeClr val="tx1"/>
-              </a:solidFill>
-            </a:endParaRPr>
           </a:p>
         </p:txBody>
       </p:sp>
@@ -8871,18 +8645,13 @@
           <a:p>
             <a:pPr algn="ctr"/>
             <a:r>
-              <a:rPr lang="en-US" dirty="0" smtClean="0">
+              <a:rPr lang="en-US" dirty="0">
                 <a:solidFill>
                   <a:schemeClr val="tx1"/>
                 </a:solidFill>
               </a:rPr>
               <a:t>Invite</a:t>
             </a:r>
-            <a:endParaRPr lang="en-US" dirty="0">
-              <a:solidFill>
-                <a:schemeClr val="tx1"/>
-              </a:solidFill>
-            </a:endParaRPr>
           </a:p>
         </p:txBody>
       </p:sp>
@@ -8931,18 +8700,13 @@
           <a:p>
             <a:pPr algn="ctr"/>
             <a:r>
-              <a:rPr lang="en-US" dirty="0" smtClean="0">
+              <a:rPr lang="en-US" dirty="0">
                 <a:solidFill>
                   <a:schemeClr val="tx1"/>
                 </a:solidFill>
               </a:rPr>
               <a:t>Play</a:t>
             </a:r>
-            <a:endParaRPr lang="en-US" dirty="0">
-              <a:solidFill>
-                <a:schemeClr val="tx1"/>
-              </a:solidFill>
-            </a:endParaRPr>
           </a:p>
         </p:txBody>
       </p:sp>
@@ -9090,18 +8854,13 @@
           <a:p>
             <a:pPr algn="ctr"/>
             <a:r>
-              <a:rPr lang="en-US" dirty="0" smtClean="0">
+              <a:rPr lang="en-US" dirty="0">
                 <a:solidFill>
                   <a:schemeClr val="tx1"/>
                 </a:solidFill>
               </a:rPr>
               <a:t>Opponent</a:t>
             </a:r>
-            <a:endParaRPr lang="en-US" dirty="0">
-              <a:solidFill>
-                <a:schemeClr val="tx1"/>
-              </a:solidFill>
-            </a:endParaRPr>
           </a:p>
         </p:txBody>
       </p:sp>
@@ -9150,18 +8909,13 @@
           <a:p>
             <a:pPr algn="ctr"/>
             <a:r>
-              <a:rPr lang="en-US" dirty="0" smtClean="0">
+              <a:rPr lang="en-US" dirty="0">
                 <a:solidFill>
                   <a:schemeClr val="tx1"/>
                 </a:solidFill>
               </a:rPr>
               <a:t>Accept</a:t>
             </a:r>
-            <a:endParaRPr lang="en-US" dirty="0">
-              <a:solidFill>
-                <a:schemeClr val="tx1"/>
-              </a:solidFill>
-            </a:endParaRPr>
           </a:p>
         </p:txBody>
       </p:sp>
@@ -9276,18 +9030,13 @@
           <a:p>
             <a:pPr algn="ctr"/>
             <a:r>
-              <a:rPr lang="en-US" dirty="0" smtClean="0">
+              <a:rPr lang="en-US" dirty="0">
                 <a:solidFill>
                   <a:schemeClr val="tx1"/>
                 </a:solidFill>
               </a:rPr>
               <a:t>Game id</a:t>
             </a:r>
-            <a:endParaRPr lang="en-US" dirty="0">
-              <a:solidFill>
-                <a:schemeClr val="tx1"/>
-              </a:solidFill>
-            </a:endParaRPr>
           </a:p>
         </p:txBody>
       </p:sp>
@@ -9336,18 +9085,13 @@
           <a:p>
             <a:pPr algn="ctr"/>
             <a:r>
-              <a:rPr lang="en-US" dirty="0" smtClean="0">
+              <a:rPr lang="en-US" dirty="0">
                 <a:solidFill>
                   <a:schemeClr val="tx1"/>
                 </a:solidFill>
               </a:rPr>
               <a:t>id</a:t>
             </a:r>
-            <a:endParaRPr lang="en-US" dirty="0">
-              <a:solidFill>
-                <a:schemeClr val="tx1"/>
-              </a:solidFill>
-            </a:endParaRPr>
           </a:p>
         </p:txBody>
       </p:sp>
@@ -9396,18 +9140,13 @@
           <a:p>
             <a:pPr algn="ctr"/>
             <a:r>
-              <a:rPr lang="en-US" dirty="0" smtClean="0">
+              <a:rPr lang="en-US" dirty="0">
                 <a:solidFill>
                   <a:schemeClr val="tx1"/>
                 </a:solidFill>
               </a:rPr>
               <a:t>Sent by</a:t>
             </a:r>
-            <a:endParaRPr lang="en-US" dirty="0">
-              <a:solidFill>
-                <a:schemeClr val="tx1"/>
-              </a:solidFill>
-            </a:endParaRPr>
           </a:p>
         </p:txBody>
       </p:sp>
@@ -9456,18 +9195,13 @@
           <a:p>
             <a:pPr algn="ctr"/>
             <a:r>
-              <a:rPr lang="en-US" dirty="0" smtClean="0">
+              <a:rPr lang="en-US" dirty="0">
                 <a:solidFill>
                   <a:schemeClr val="tx1"/>
                 </a:solidFill>
               </a:rPr>
               <a:t>Sent to</a:t>
             </a:r>
-            <a:endParaRPr lang="en-US" dirty="0">
-              <a:solidFill>
-                <a:schemeClr val="tx1"/>
-              </a:solidFill>
-            </a:endParaRPr>
           </a:p>
         </p:txBody>
       </p:sp>
@@ -9645,18 +9379,13 @@
           <a:p>
             <a:pPr algn="ctr"/>
             <a:r>
-              <a:rPr lang="en-US" dirty="0" smtClean="0">
+              <a:rPr lang="en-US" dirty="0">
                 <a:solidFill>
                   <a:schemeClr val="tx1"/>
                 </a:solidFill>
               </a:rPr>
               <a:t>id</a:t>
             </a:r>
-            <a:endParaRPr lang="en-US" dirty="0">
-              <a:solidFill>
-                <a:schemeClr val="tx1"/>
-              </a:solidFill>
-            </a:endParaRPr>
           </a:p>
         </p:txBody>
       </p:sp>
@@ -9705,18 +9434,13 @@
           <a:p>
             <a:pPr algn="ctr"/>
             <a:r>
-              <a:rPr lang="en-US" dirty="0" smtClean="0">
+              <a:rPr lang="en-US" dirty="0">
                 <a:solidFill>
                   <a:schemeClr val="tx1"/>
                 </a:solidFill>
               </a:rPr>
               <a:t>Games</a:t>
             </a:r>
-            <a:endParaRPr lang="en-US" dirty="0">
-              <a:solidFill>
-                <a:schemeClr val="tx1"/>
-              </a:solidFill>
-            </a:endParaRPr>
           </a:p>
         </p:txBody>
       </p:sp>
@@ -9765,18 +9489,13 @@
           <a:p>
             <a:pPr algn="ctr"/>
             <a:r>
-              <a:rPr lang="en-US" dirty="0" smtClean="0">
+              <a:rPr lang="en-US" dirty="0">
                 <a:solidFill>
                   <a:schemeClr val="tx1"/>
                 </a:solidFill>
               </a:rPr>
               <a:t>invites</a:t>
             </a:r>
-            <a:endParaRPr lang="en-US" dirty="0">
-              <a:solidFill>
-                <a:schemeClr val="tx1"/>
-              </a:solidFill>
-            </a:endParaRPr>
           </a:p>
         </p:txBody>
       </p:sp>
@@ -9918,7 +9637,7 @@
         </p:nvSpPr>
         <p:spPr>
           <a:xfrm>
-            <a:off x="613646" y="710628"/>
+            <a:off x="-79446" y="-90472"/>
             <a:ext cx="1562992" cy="369332"/>
           </a:xfrm>
           <a:prstGeom prst="rect">
@@ -9933,7 +9652,7 @@
           <a:lstStyle/>
           <a:p>
             <a:r>
-              <a:rPr lang="en-US" b="1" dirty="0" smtClean="0">
+              <a:rPr lang="en-US" b="1" dirty="0">
                 <a:effectLst>
                   <a:outerShdw blurRad="38100" dist="38100" dir="2700000" algn="tl">
                     <a:srgbClr val="000000">
@@ -9944,15 +9663,6 @@
               </a:rPr>
               <a:t>ERD Diagram:-</a:t>
             </a:r>
-            <a:endParaRPr lang="en-US" b="1" dirty="0">
-              <a:effectLst>
-                <a:outerShdw blurRad="38100" dist="38100" dir="2700000" algn="tl">
-                  <a:srgbClr val="000000">
-                    <a:alpha val="43137"/>
-                  </a:srgbClr>
-                </a:outerShdw>
-              </a:effectLst>
-            </a:endParaRPr>
           </a:p>
         </p:txBody>
       </p:sp>
@@ -10031,18 +9741,13 @@
           <a:p>
             <a:pPr algn="ctr"/>
             <a:r>
-              <a:rPr lang="en-US" b="1" dirty="0" smtClean="0">
+              <a:rPr lang="en-US" b="1" dirty="0">
                 <a:solidFill>
                   <a:schemeClr val="tx1"/>
                 </a:solidFill>
               </a:rPr>
               <a:t>Invite</a:t>
             </a:r>
-            <a:endParaRPr lang="en-US" b="1" dirty="0">
-              <a:solidFill>
-                <a:schemeClr val="tx1"/>
-              </a:solidFill>
-            </a:endParaRPr>
           </a:p>
         </p:txBody>
       </p:sp>
@@ -10091,7 +9796,7 @@
           <a:p>
             <a:pPr algn="ctr"/>
             <a:r>
-              <a:rPr lang="en-US" dirty="0" smtClean="0">
+              <a:rPr lang="en-US" dirty="0">
                 <a:solidFill>
                   <a:schemeClr val="tx1"/>
                 </a:solidFill>
@@ -10102,7 +9807,7 @@
           <a:p>
             <a:pPr algn="ctr"/>
             <a:r>
-              <a:rPr lang="en-US" dirty="0" smtClean="0">
+              <a:rPr lang="en-US" dirty="0">
                 <a:solidFill>
                   <a:schemeClr val="tx1"/>
                 </a:solidFill>
@@ -10113,7 +9818,7 @@
           <a:p>
             <a:pPr algn="ctr"/>
             <a:r>
-              <a:rPr lang="en-US" dirty="0" smtClean="0">
+              <a:rPr lang="en-US" dirty="0">
                 <a:solidFill>
                   <a:schemeClr val="tx1"/>
                 </a:solidFill>
@@ -10124,7 +9829,7 @@
           <a:p>
             <a:pPr algn="ctr"/>
             <a:r>
-              <a:rPr lang="en-US" dirty="0" smtClean="0">
+              <a:rPr lang="en-US" dirty="0">
                 <a:solidFill>
                   <a:schemeClr val="tx1"/>
                 </a:solidFill>
@@ -10135,7 +9840,7 @@
           <a:p>
             <a:pPr algn="ctr"/>
             <a:r>
-              <a:rPr lang="en-US" dirty="0" smtClean="0">
+              <a:rPr lang="en-US" dirty="0">
                 <a:solidFill>
                   <a:schemeClr val="tx1"/>
                 </a:solidFill>
@@ -10146,7 +9851,7 @@
           <a:p>
             <a:pPr algn="ctr"/>
             <a:r>
-              <a:rPr lang="en-US" dirty="0" smtClean="0">
+              <a:rPr lang="en-US" dirty="0">
                 <a:solidFill>
                   <a:schemeClr val="tx1"/>
                 </a:solidFill>
@@ -10201,18 +9906,13 @@
           <a:p>
             <a:pPr algn="ctr"/>
             <a:r>
-              <a:rPr lang="en-US" b="1" dirty="0" smtClean="0">
+              <a:rPr lang="en-US" b="1" dirty="0">
                 <a:solidFill>
                   <a:schemeClr val="tx1"/>
                 </a:solidFill>
               </a:rPr>
               <a:t>Games</a:t>
             </a:r>
-            <a:endParaRPr lang="en-US" b="1" dirty="0">
-              <a:solidFill>
-                <a:schemeClr val="tx1"/>
-              </a:solidFill>
-            </a:endParaRPr>
           </a:p>
         </p:txBody>
       </p:sp>
@@ -10261,7 +9961,7 @@
           <a:p>
             <a:pPr algn="ctr"/>
             <a:r>
-              <a:rPr lang="en-US" dirty="0" smtClean="0">
+              <a:rPr lang="en-US" dirty="0">
                 <a:solidFill>
                   <a:schemeClr val="tx1"/>
                 </a:solidFill>
@@ -10272,7 +9972,7 @@
           <a:p>
             <a:pPr algn="ctr"/>
             <a:r>
-              <a:rPr lang="en-US" dirty="0" smtClean="0">
+              <a:rPr lang="en-US" dirty="0">
                 <a:solidFill>
                   <a:schemeClr val="tx1"/>
                 </a:solidFill>
@@ -10283,7 +9983,7 @@
           <a:p>
             <a:pPr algn="ctr"/>
             <a:r>
-              <a:rPr lang="en-US" dirty="0" smtClean="0">
+              <a:rPr lang="en-US" dirty="0">
                 <a:solidFill>
                   <a:schemeClr val="tx1"/>
                 </a:solidFill>
@@ -10294,7 +9994,7 @@
           <a:p>
             <a:pPr algn="ctr"/>
             <a:r>
-              <a:rPr lang="en-US" dirty="0" smtClean="0">
+              <a:rPr lang="en-US" dirty="0">
                 <a:solidFill>
                   <a:schemeClr val="tx1"/>
                 </a:solidFill>
@@ -10305,7 +10005,7 @@
           <a:p>
             <a:pPr algn="ctr"/>
             <a:r>
-              <a:rPr lang="en-US" dirty="0" smtClean="0">
+              <a:rPr lang="en-US" dirty="0">
                 <a:solidFill>
                   <a:schemeClr val="tx1"/>
                 </a:solidFill>
@@ -10316,18 +10016,13 @@
           <a:p>
             <a:pPr algn="ctr"/>
             <a:r>
-              <a:rPr lang="en-US" dirty="0" smtClean="0">
+              <a:rPr lang="en-US" dirty="0">
                 <a:solidFill>
                   <a:schemeClr val="tx1"/>
                 </a:solidFill>
               </a:rPr>
               <a:t>turn</a:t>
             </a:r>
-            <a:endParaRPr lang="en-US" dirty="0">
-              <a:solidFill>
-                <a:schemeClr val="tx1"/>
-              </a:solidFill>
-            </a:endParaRPr>
           </a:p>
         </p:txBody>
       </p:sp>
@@ -10376,18 +10071,13 @@
           <a:p>
             <a:pPr algn="ctr"/>
             <a:r>
-              <a:rPr lang="en-US" b="1" dirty="0" smtClean="0">
+              <a:rPr lang="en-US" b="1" dirty="0">
                 <a:solidFill>
                   <a:schemeClr val="tx1"/>
                 </a:solidFill>
               </a:rPr>
               <a:t>Player</a:t>
             </a:r>
-            <a:endParaRPr lang="en-US" b="1" dirty="0">
-              <a:solidFill>
-                <a:schemeClr val="tx1"/>
-              </a:solidFill>
-            </a:endParaRPr>
           </a:p>
         </p:txBody>
       </p:sp>
@@ -10436,7 +10126,7 @@
           <a:p>
             <a:pPr algn="ctr"/>
             <a:r>
-              <a:rPr lang="en-US" dirty="0" smtClean="0">
+              <a:rPr lang="en-US" dirty="0">
                 <a:solidFill>
                   <a:schemeClr val="tx1"/>
                 </a:solidFill>
@@ -10447,7 +10137,7 @@
           <a:p>
             <a:pPr algn="ctr"/>
             <a:r>
-              <a:rPr lang="en-US" dirty="0" smtClean="0">
+              <a:rPr lang="en-US" dirty="0">
                 <a:solidFill>
                   <a:schemeClr val="tx1"/>
                 </a:solidFill>
@@ -10458,7 +10148,7 @@
           <a:p>
             <a:pPr algn="ctr"/>
             <a:r>
-              <a:rPr lang="en-US" dirty="0" smtClean="0">
+              <a:rPr lang="en-US" dirty="0">
                 <a:solidFill>
                   <a:schemeClr val="tx1"/>
                 </a:solidFill>
@@ -10469,7 +10159,7 @@
           <a:p>
             <a:pPr algn="ctr"/>
             <a:r>
-              <a:rPr lang="en-US" dirty="0" smtClean="0">
+              <a:rPr lang="en-US" dirty="0">
                 <a:solidFill>
                   <a:schemeClr val="tx1"/>
                 </a:solidFill>
@@ -10600,10 +10290,9 @@
           <a:lstStyle/>
           <a:p>
             <a:r>
-              <a:rPr lang="en-US" dirty="0" smtClean="0"/>
+              <a:rPr lang="en-US" dirty="0"/>
               <a:t>1……..*</a:t>
             </a:r>
-            <a:endParaRPr lang="en-US" dirty="0"/>
           </a:p>
         </p:txBody>
       </p:sp>
@@ -10630,10 +10319,9 @@
           <a:lstStyle/>
           <a:p>
             <a:r>
-              <a:rPr lang="en-US" dirty="0" smtClean="0"/>
+              <a:rPr lang="en-US" dirty="0"/>
               <a:t>M         1……..*</a:t>
             </a:r>
-            <a:endParaRPr lang="en-US" dirty="0"/>
           </a:p>
         </p:txBody>
       </p:sp>
@@ -10660,10 +10348,9 @@
           <a:lstStyle/>
           <a:p>
             <a:r>
-              <a:rPr lang="en-US" dirty="0" smtClean="0"/>
+              <a:rPr lang="en-US" dirty="0"/>
               <a:t>1……..*</a:t>
             </a:r>
-            <a:endParaRPr lang="en-US" dirty="0"/>
           </a:p>
         </p:txBody>
       </p:sp>
@@ -10719,7 +10406,7 @@
           <a:lstStyle/>
           <a:p>
             <a:r>
-              <a:rPr lang="en-US" b="1" dirty="0" smtClean="0">
+              <a:rPr lang="en-US" b="1" dirty="0">
                 <a:effectLst>
                   <a:outerShdw blurRad="38100" dist="38100" dir="2700000" algn="tl">
                     <a:srgbClr val="000000">
@@ -10730,15 +10417,6 @@
               </a:rPr>
               <a:t>Class Diagram:-</a:t>
             </a:r>
-            <a:endParaRPr lang="en-US" b="1" dirty="0">
-              <a:effectLst>
-                <a:outerShdw blurRad="38100" dist="38100" dir="2700000" algn="tl">
-                  <a:srgbClr val="000000">
-                    <a:alpha val="43137"/>
-                  </a:srgbClr>
-                </a:outerShdw>
-              </a:effectLst>
-            </a:endParaRPr>
           </a:p>
         </p:txBody>
       </p:sp>
@@ -10817,18 +10495,13 @@
           <a:p>
             <a:pPr algn="ctr"/>
             <a:r>
-              <a:rPr lang="en-US" dirty="0" smtClean="0">
+              <a:rPr lang="en-US" dirty="0">
                 <a:solidFill>
                   <a:schemeClr val="tx1"/>
                 </a:solidFill>
               </a:rPr>
               <a:t>Player Login</a:t>
             </a:r>
-            <a:endParaRPr lang="en-US" dirty="0">
-              <a:solidFill>
-                <a:schemeClr val="tx1"/>
-              </a:solidFill>
-            </a:endParaRPr>
           </a:p>
         </p:txBody>
       </p:sp>
@@ -10877,18 +10550,13 @@
           <a:p>
             <a:pPr algn="ctr"/>
             <a:r>
-              <a:rPr lang="en-US" dirty="0" smtClean="0">
+              <a:rPr lang="en-US" dirty="0">
                 <a:solidFill>
                   <a:schemeClr val="tx1"/>
                 </a:solidFill>
               </a:rPr>
               <a:t>Send invite</a:t>
             </a:r>
-            <a:endParaRPr lang="en-US" dirty="0">
-              <a:solidFill>
-                <a:schemeClr val="tx1"/>
-              </a:solidFill>
-            </a:endParaRPr>
           </a:p>
         </p:txBody>
       </p:sp>
@@ -10937,18 +10605,13 @@
           <a:p>
             <a:pPr algn="ctr"/>
             <a:r>
-              <a:rPr lang="en-US" dirty="0" smtClean="0">
+              <a:rPr lang="en-US" dirty="0">
                 <a:solidFill>
                   <a:schemeClr val="tx1"/>
                 </a:solidFill>
               </a:rPr>
               <a:t>Accept Invite</a:t>
             </a:r>
-            <a:endParaRPr lang="en-US" dirty="0">
-              <a:solidFill>
-                <a:schemeClr val="tx1"/>
-              </a:solidFill>
-            </a:endParaRPr>
           </a:p>
         </p:txBody>
       </p:sp>
@@ -10997,18 +10660,13 @@
           <a:p>
             <a:pPr algn="ctr"/>
             <a:r>
-              <a:rPr lang="en-US" dirty="0" smtClean="0">
+              <a:rPr lang="en-US" dirty="0">
                 <a:solidFill>
                   <a:schemeClr val="tx1"/>
                 </a:solidFill>
               </a:rPr>
               <a:t>Reject Invite</a:t>
             </a:r>
-            <a:endParaRPr lang="en-US" dirty="0">
-              <a:solidFill>
-                <a:schemeClr val="tx1"/>
-              </a:solidFill>
-            </a:endParaRPr>
           </a:p>
         </p:txBody>
       </p:sp>
@@ -11057,18 +10715,13 @@
           <a:p>
             <a:pPr algn="ctr"/>
             <a:r>
-              <a:rPr lang="en-US" dirty="0" smtClean="0">
+              <a:rPr lang="en-US" dirty="0">
                 <a:solidFill>
                   <a:schemeClr val="tx1"/>
                 </a:solidFill>
               </a:rPr>
               <a:t>Start Game</a:t>
             </a:r>
-            <a:endParaRPr lang="en-US" dirty="0">
-              <a:solidFill>
-                <a:schemeClr val="tx1"/>
-              </a:solidFill>
-            </a:endParaRPr>
           </a:p>
         </p:txBody>
       </p:sp>
@@ -11117,18 +10770,13 @@
           <a:p>
             <a:pPr algn="ctr"/>
             <a:r>
-              <a:rPr lang="en-US" dirty="0" smtClean="0">
+              <a:rPr lang="en-US" dirty="0">
                 <a:solidFill>
                   <a:schemeClr val="tx1"/>
                 </a:solidFill>
               </a:rPr>
               <a:t>Play Move</a:t>
             </a:r>
-            <a:endParaRPr lang="en-US" dirty="0">
-              <a:solidFill>
-                <a:schemeClr val="tx1"/>
-              </a:solidFill>
-            </a:endParaRPr>
           </a:p>
         </p:txBody>
       </p:sp>
@@ -11177,18 +10825,13 @@
           <a:p>
             <a:pPr algn="ctr"/>
             <a:r>
-              <a:rPr lang="en-US" dirty="0" smtClean="0">
+              <a:rPr lang="en-US" dirty="0">
                 <a:solidFill>
                   <a:schemeClr val="tx1"/>
                 </a:solidFill>
               </a:rPr>
               <a:t>Request undo/Exit</a:t>
             </a:r>
-            <a:endParaRPr lang="en-US" dirty="0">
-              <a:solidFill>
-                <a:schemeClr val="tx1"/>
-              </a:solidFill>
-            </a:endParaRPr>
           </a:p>
         </p:txBody>
       </p:sp>
@@ -11237,18 +10880,13 @@
           <a:p>
             <a:pPr algn="ctr"/>
             <a:r>
-              <a:rPr lang="en-US" dirty="0" smtClean="0">
+              <a:rPr lang="en-US" dirty="0">
                 <a:solidFill>
                   <a:schemeClr val="tx1"/>
                 </a:solidFill>
               </a:rPr>
               <a:t>Player Login</a:t>
             </a:r>
-            <a:endParaRPr lang="en-US" dirty="0">
-              <a:solidFill>
-                <a:schemeClr val="tx1"/>
-              </a:solidFill>
-            </a:endParaRPr>
           </a:p>
         </p:txBody>
       </p:sp>
@@ -11732,10 +11370,9 @@
           <a:lstStyle/>
           <a:p>
             <a:r>
-              <a:rPr lang="en-US" dirty="0" smtClean="0"/>
+              <a:rPr lang="en-US" dirty="0"/>
               <a:t>Player</a:t>
             </a:r>
-            <a:endParaRPr lang="en-US" dirty="0"/>
           </a:p>
         </p:txBody>
       </p:sp>
@@ -11882,10 +11519,9 @@
           <a:lstStyle/>
           <a:p>
             <a:r>
-              <a:rPr lang="en-US" b="1" dirty="0" smtClean="0"/>
+              <a:rPr lang="en-US" b="1" dirty="0"/>
               <a:t>chess</a:t>
             </a:r>
-            <a:endParaRPr lang="en-US" b="1" dirty="0"/>
           </a:p>
         </p:txBody>
       </p:sp>
@@ -11912,7 +11548,7 @@
           <a:lstStyle/>
           <a:p>
             <a:r>
-              <a:rPr lang="en-US" b="1" dirty="0" smtClean="0">
+              <a:rPr lang="en-US" b="1" dirty="0">
                 <a:effectLst>
                   <a:outerShdw blurRad="38100" dist="38100" dir="2700000" algn="tl">
                     <a:srgbClr val="000000">
@@ -11923,15 +11559,6 @@
               </a:rPr>
               <a:t>Use Case Diagram:-</a:t>
             </a:r>
-            <a:endParaRPr lang="en-US" b="1" dirty="0">
-              <a:effectLst>
-                <a:outerShdw blurRad="38100" dist="38100" dir="2700000" algn="tl">
-                  <a:srgbClr val="000000">
-                    <a:alpha val="43137"/>
-                  </a:srgbClr>
-                </a:outerShdw>
-              </a:effectLst>
-            </a:endParaRPr>
           </a:p>
         </p:txBody>
       </p:sp>
@@ -12010,18 +11637,13 @@
           <a:p>
             <a:pPr algn="ctr"/>
             <a:r>
-              <a:rPr lang="en-US" dirty="0" smtClean="0">
+              <a:rPr lang="en-US" dirty="0">
                 <a:solidFill>
                   <a:schemeClr val="tx1"/>
                 </a:solidFill>
               </a:rPr>
               <a:t>Chess App</a:t>
             </a:r>
-            <a:endParaRPr lang="en-US" dirty="0">
-              <a:solidFill>
-                <a:schemeClr val="tx1"/>
-              </a:solidFill>
-            </a:endParaRPr>
           </a:p>
         </p:txBody>
       </p:sp>
@@ -12166,29 +11788,24 @@
           <a:p>
             <a:pPr algn="ctr"/>
             <a:r>
-              <a:rPr lang="en-US" dirty="0" smtClean="0">
+              <a:rPr lang="en-US" dirty="0">
                 <a:solidFill>
                   <a:schemeClr val="tx1"/>
                 </a:solidFill>
               </a:rPr>
-              <a:t>JS class</a:t>
+              <a:t>JS chess</a:t>
             </a:r>
           </a:p>
           <a:p>
             <a:pPr algn="ctr"/>
             <a:r>
-              <a:rPr lang="en-US" dirty="0" smtClean="0">
+              <a:rPr lang="en-US" dirty="0">
                 <a:solidFill>
                   <a:schemeClr val="tx1"/>
                 </a:solidFill>
               </a:rPr>
               <a:t>Game Engine</a:t>
             </a:r>
-            <a:endParaRPr lang="en-US" dirty="0">
-              <a:solidFill>
-                <a:schemeClr val="tx1"/>
-              </a:solidFill>
-            </a:endParaRPr>
           </a:p>
         </p:txBody>
       </p:sp>
@@ -12237,7 +11854,7 @@
           <a:p>
             <a:pPr algn="ctr"/>
             <a:r>
-              <a:rPr lang="en-US" dirty="0" smtClean="0">
+              <a:rPr lang="en-US" dirty="0">
                 <a:solidFill>
                   <a:schemeClr val="tx1"/>
                 </a:solidFill>
@@ -12248,18 +11865,13 @@
           <a:p>
             <a:pPr algn="ctr"/>
             <a:r>
-              <a:rPr lang="en-US" dirty="0" smtClean="0">
+              <a:rPr lang="en-US" dirty="0">
                 <a:solidFill>
                   <a:schemeClr val="tx1"/>
                 </a:solidFill>
               </a:rPr>
               <a:t>database</a:t>
             </a:r>
-            <a:endParaRPr lang="en-US" dirty="0">
-              <a:solidFill>
-                <a:schemeClr val="tx1"/>
-              </a:solidFill>
-            </a:endParaRPr>
           </a:p>
         </p:txBody>
       </p:sp>
@@ -12552,7 +12164,7 @@
           <a:lstStyle/>
           <a:p>
             <a:r>
-              <a:rPr lang="en-US" b="1" dirty="0" smtClean="0">
+              <a:rPr lang="en-US" b="1" dirty="0">
                 <a:effectLst>
                   <a:outerShdw blurRad="38100" dist="38100" dir="2700000" algn="tl">
                     <a:srgbClr val="000000">
@@ -12563,15 +12175,6 @@
               </a:rPr>
               <a:t>Component Diagram:-</a:t>
             </a:r>
-            <a:endParaRPr lang="en-US" b="1" dirty="0">
-              <a:effectLst>
-                <a:outerShdw blurRad="38100" dist="38100" dir="2700000" algn="tl">
-                  <a:srgbClr val="000000">
-                    <a:alpha val="43137"/>
-                  </a:srgbClr>
-                </a:outerShdw>
-              </a:effectLst>
-            </a:endParaRPr>
           </a:p>
         </p:txBody>
       </p:sp>
@@ -12585,13 +12188,6 @@
   <p:clrMapOvr>
     <a:masterClrMapping/>
   </p:clrMapOvr>
-  <p:timing>
-    <p:tnLst>
-      <p:par>
-        <p:cTn id="1" dur="indefinite" restart="never" nodeType="tmRoot"/>
-      </p:par>
-    </p:tnLst>
-  </p:timing>
 </p:sld>
 </file>
 
@@ -12657,7 +12253,7 @@
           <a:p>
             <a:pPr algn="ctr"/>
             <a:r>
-              <a:rPr lang="en-US" dirty="0" smtClean="0">
+              <a:rPr lang="en-US" dirty="0">
                 <a:solidFill>
                   <a:schemeClr val="tx1"/>
                 </a:solidFill>
@@ -12712,7 +12308,7 @@
           <a:p>
             <a:pPr algn="ctr"/>
             <a:r>
-              <a:rPr lang="en-US" dirty="0" smtClean="0">
+              <a:rPr lang="en-US" dirty="0">
                 <a:solidFill>
                   <a:schemeClr val="tx1"/>
                 </a:solidFill>
@@ -12767,7 +12363,7 @@
           <a:p>
             <a:pPr algn="ctr"/>
             <a:r>
-              <a:rPr lang="en-US" dirty="0" smtClean="0">
+              <a:rPr lang="en-US" dirty="0">
                 <a:solidFill>
                   <a:schemeClr val="tx1"/>
                 </a:solidFill>
@@ -12896,10 +12492,9 @@
           <a:lstStyle/>
           <a:p>
             <a:r>
-              <a:rPr lang="en-US" dirty="0" smtClean="0"/>
+              <a:rPr lang="en-US" dirty="0"/>
               <a:t>Send Invite</a:t>
             </a:r>
-            <a:endParaRPr lang="en-US" dirty="0"/>
           </a:p>
         </p:txBody>
       </p:sp>
@@ -12944,7 +12539,7 @@
         </p:nvSpPr>
         <p:spPr>
           <a:xfrm>
-            <a:off x="3185206" y="2242066"/>
+            <a:off x="2613003" y="2241525"/>
             <a:ext cx="1401987" cy="369332"/>
           </a:xfrm>
           <a:prstGeom prst="rect">
@@ -12959,10 +12554,9 @@
           <a:lstStyle/>
           <a:p>
             <a:r>
-              <a:rPr lang="en-US" dirty="0" smtClean="0"/>
+              <a:rPr lang="en-US" dirty="0"/>
               <a:t>Accept Invite</a:t>
             </a:r>
-            <a:endParaRPr lang="en-US" dirty="0"/>
           </a:p>
         </p:txBody>
       </p:sp>
@@ -12974,7 +12568,7 @@
         </p:nvSpPr>
         <p:spPr>
           <a:xfrm>
-            <a:off x="3660538" y="2743200"/>
+            <a:off x="3906253" y="2715646"/>
             <a:ext cx="225661" cy="1840468"/>
           </a:xfrm>
           <a:prstGeom prst="rect">
@@ -13050,13 +12644,15 @@
       <p:cxnSp>
         <p:nvCxnSpPr>
           <p:cNvPr id="21" name="Straight Arrow Connector 20"/>
-          <p:cNvCxnSpPr/>
+          <p:cNvCxnSpPr>
+            <a:cxnSpLocks/>
+          </p:cNvCxnSpPr>
           <p:nvPr/>
         </p:nvCxnSpPr>
         <p:spPr>
           <a:xfrm>
             <a:off x="1447800" y="3200400"/>
-            <a:ext cx="2235436" cy="0"/>
+            <a:ext cx="2410159" cy="0"/>
           </a:xfrm>
           <a:prstGeom prst="straightConnector1">
             <a:avLst/>
@@ -13083,13 +12679,15 @@
       <p:cxnSp>
         <p:nvCxnSpPr>
           <p:cNvPr id="22" name="Straight Arrow Connector 21"/>
-          <p:cNvCxnSpPr/>
+          <p:cNvCxnSpPr>
+            <a:cxnSpLocks/>
+          </p:cNvCxnSpPr>
           <p:nvPr/>
         </p:nvCxnSpPr>
         <p:spPr>
-          <a:xfrm>
-            <a:off x="3886199" y="3352800"/>
-            <a:ext cx="2743201" cy="0"/>
+          <a:xfrm flipV="1">
+            <a:off x="4114800" y="3352800"/>
+            <a:ext cx="2514600" cy="54485"/>
           </a:xfrm>
           <a:prstGeom prst="straightConnector1">
             <a:avLst/>
@@ -13149,13 +12747,15 @@
       <p:cxnSp>
         <p:nvCxnSpPr>
           <p:cNvPr id="27" name="Straight Arrow Connector 26"/>
-          <p:cNvCxnSpPr/>
+          <p:cNvCxnSpPr>
+            <a:cxnSpLocks/>
+          </p:cNvCxnSpPr>
           <p:nvPr/>
         </p:nvCxnSpPr>
         <p:spPr>
           <a:xfrm flipH="1">
-            <a:off x="3886199" y="3852153"/>
-            <a:ext cx="2743201" cy="0"/>
+            <a:off x="4130686" y="3852153"/>
+            <a:ext cx="2498715" cy="0"/>
           </a:xfrm>
           <a:prstGeom prst="straightConnector1">
             <a:avLst/>
@@ -13182,13 +12782,15 @@
       <p:cxnSp>
         <p:nvCxnSpPr>
           <p:cNvPr id="30" name="Straight Arrow Connector 29"/>
-          <p:cNvCxnSpPr/>
+          <p:cNvCxnSpPr>
+            <a:cxnSpLocks/>
+          </p:cNvCxnSpPr>
           <p:nvPr/>
         </p:nvCxnSpPr>
         <p:spPr>
           <a:xfrm flipH="1">
             <a:off x="1447800" y="3886200"/>
-            <a:ext cx="2235436" cy="0"/>
+            <a:ext cx="2410159" cy="0"/>
           </a:xfrm>
           <a:prstGeom prst="straightConnector1">
             <a:avLst/>
@@ -13268,10 +12870,9 @@
           <a:lstStyle/>
           <a:p>
             <a:r>
-              <a:rPr lang="en-US" dirty="0" smtClean="0"/>
+              <a:rPr lang="en-US" dirty="0"/>
               <a:t>Play move</a:t>
             </a:r>
-            <a:endParaRPr lang="en-US" dirty="0"/>
           </a:p>
         </p:txBody>
       </p:sp>
@@ -13298,10 +12899,9 @@
           <a:lstStyle/>
           <a:p>
             <a:r>
-              <a:rPr lang="en-US" dirty="0" smtClean="0"/>
+              <a:rPr lang="en-US" dirty="0"/>
               <a:t>Validated &amp; forward</a:t>
             </a:r>
-            <a:endParaRPr lang="en-US" dirty="0"/>
           </a:p>
         </p:txBody>
       </p:sp>
@@ -13328,10 +12928,9 @@
           <a:lstStyle/>
           <a:p>
             <a:r>
-              <a:rPr lang="en-US" dirty="0" smtClean="0"/>
+              <a:rPr lang="en-US" dirty="0"/>
               <a:t>Validated &amp; forward</a:t>
             </a:r>
-            <a:endParaRPr lang="en-US" dirty="0"/>
           </a:p>
         </p:txBody>
       </p:sp>
@@ -13358,10 +12957,9 @@
           <a:lstStyle/>
           <a:p>
             <a:r>
-              <a:rPr lang="en-US" dirty="0" smtClean="0"/>
+              <a:rPr lang="en-US" dirty="0"/>
               <a:t>Play move</a:t>
             </a:r>
-            <a:endParaRPr lang="en-US" dirty="0"/>
           </a:p>
         </p:txBody>
       </p:sp>
@@ -13388,18 +12986,17 @@
           <a:lstStyle/>
           <a:p>
             <a:r>
-              <a:rPr lang="en-US" dirty="0" smtClean="0"/>
+              <a:rPr lang="en-US" dirty="0"/>
               <a:t>Send </a:t>
             </a:r>
             <a:r>
-              <a:rPr lang="en-US" dirty="0" err="1" smtClean="0"/>
+              <a:rPr lang="en-US" dirty="0" err="1"/>
               <a:t>GiveUp</a:t>
             </a:r>
             <a:r>
-              <a:rPr lang="en-US" dirty="0" smtClean="0"/>
+              <a:rPr lang="en-US" dirty="0"/>
               <a:t>/Undo Request</a:t>
             </a:r>
-            <a:endParaRPr lang="en-US" dirty="0"/>
           </a:p>
         </p:txBody>
       </p:sp>
@@ -13426,10 +13023,9 @@
           <a:lstStyle/>
           <a:p>
             <a:r>
-              <a:rPr lang="en-US" dirty="0" smtClean="0"/>
+              <a:rPr lang="en-US" dirty="0"/>
               <a:t>Accept &amp; Reject</a:t>
             </a:r>
-            <a:endParaRPr lang="en-US" dirty="0"/>
           </a:p>
         </p:txBody>
       </p:sp>
@@ -13441,8 +13037,8 @@
         </p:nvSpPr>
         <p:spPr>
           <a:xfrm>
-            <a:off x="4082579" y="5340325"/>
-            <a:ext cx="190500" cy="1352955"/>
+            <a:off x="3932832" y="5311658"/>
+            <a:ext cx="181968" cy="1110854"/>
           </a:xfrm>
           <a:prstGeom prst="rect">
             <a:avLst/>
@@ -13484,13 +13080,15 @@
       <p:cxnSp>
         <p:nvCxnSpPr>
           <p:cNvPr id="41" name="Straight Arrow Connector 40"/>
-          <p:cNvCxnSpPr/>
+          <p:cNvCxnSpPr>
+            <a:cxnSpLocks/>
+          </p:cNvCxnSpPr>
           <p:nvPr/>
         </p:nvCxnSpPr>
         <p:spPr>
           <a:xfrm flipH="1">
-            <a:off x="1447800" y="5715000"/>
-            <a:ext cx="2581477" cy="0"/>
+            <a:off x="1447801" y="5715000"/>
+            <a:ext cx="2485031" cy="0"/>
           </a:xfrm>
           <a:prstGeom prst="straightConnector1">
             <a:avLst/>
@@ -13517,13 +13115,15 @@
       <p:cxnSp>
         <p:nvCxnSpPr>
           <p:cNvPr id="43" name="Straight Arrow Connector 42"/>
-          <p:cNvCxnSpPr/>
+          <p:cNvCxnSpPr>
+            <a:cxnSpLocks/>
+          </p:cNvCxnSpPr>
           <p:nvPr/>
         </p:nvCxnSpPr>
         <p:spPr>
           <a:xfrm>
-            <a:off x="4273079" y="5867400"/>
-            <a:ext cx="2356321" cy="0"/>
+            <a:off x="4130686" y="5867400"/>
+            <a:ext cx="2498714" cy="0"/>
           </a:xfrm>
           <a:prstGeom prst="straightConnector1">
             <a:avLst/>
@@ -13555,7 +13155,7 @@
         </p:nvSpPr>
         <p:spPr>
           <a:xfrm>
-            <a:off x="1959393" y="5832136"/>
+            <a:off x="1786879" y="5766068"/>
             <a:ext cx="2071080" cy="369332"/>
           </a:xfrm>
           <a:prstGeom prst="rect">
@@ -13570,14 +13170,9 @@
           <a:lstStyle/>
           <a:p>
             <a:r>
-              <a:rPr lang="en-US" dirty="0" smtClean="0"/>
-              <a:t>Win/Loose </a:t>
-            </a:r>
-            <a:r>
-              <a:rPr lang="en-US" dirty="0" err="1" smtClean="0"/>
-              <a:t>messege</a:t>
-            </a:r>
-            <a:endParaRPr lang="en-US" dirty="0"/>
+              <a:rPr lang="en-US" dirty="0"/>
+              <a:t>Win/Loose message</a:t>
+            </a:r>
           </a:p>
         </p:txBody>
       </p:sp>
@@ -13589,7 +13184,7 @@
         </p:nvSpPr>
         <p:spPr>
           <a:xfrm>
-            <a:off x="4415699" y="5950734"/>
+            <a:off x="4356748" y="5881395"/>
             <a:ext cx="2071080" cy="369332"/>
           </a:xfrm>
           <a:prstGeom prst="rect">
@@ -13604,14 +13199,9 @@
           <a:lstStyle/>
           <a:p>
             <a:r>
-              <a:rPr lang="en-US" dirty="0" smtClean="0"/>
-              <a:t>Win/Loose </a:t>
-            </a:r>
-            <a:r>
-              <a:rPr lang="en-US" dirty="0" err="1" smtClean="0"/>
-              <a:t>messege</a:t>
-            </a:r>
-            <a:endParaRPr lang="en-US" dirty="0"/>
+              <a:rPr lang="en-US" dirty="0"/>
+              <a:t>Win/Loose message</a:t>
+            </a:r>
           </a:p>
         </p:txBody>
       </p:sp>
@@ -13690,14 +13280,15 @@
         <p:nvCxnSpPr>
           <p:cNvPr id="56" name="Straight Connector 55"/>
           <p:cNvCxnSpPr>
-            <a:stCxn id="3" idx="2"/>
+            <a:cxnSpLocks/>
+            <a:endCxn id="13" idx="0"/>
           </p:cNvCxnSpPr>
           <p:nvPr/>
         </p:nvCxnSpPr>
         <p:spPr>
           <a:xfrm>
-            <a:off x="3985908" y="1622087"/>
-            <a:ext cx="0" cy="557068"/>
+            <a:off x="4009761" y="1622087"/>
+            <a:ext cx="9323" cy="1093559"/>
           </a:xfrm>
           <a:prstGeom prst="line">
             <a:avLst/>
@@ -13744,7 +13335,7 @@
           <a:lstStyle/>
           <a:p>
             <a:r>
-              <a:rPr lang="en-US" b="1" dirty="0" smtClean="0">
+              <a:rPr lang="en-US" b="1" dirty="0">
                 <a:effectLst>
                   <a:outerShdw blurRad="38100" dist="38100" dir="2700000" algn="tl">
                     <a:srgbClr val="000000">
@@ -13755,15 +13346,6 @@
               </a:rPr>
               <a:t>Sequence Diagram:-</a:t>
             </a:r>
-            <a:endParaRPr lang="en-US" b="1" dirty="0">
-              <a:effectLst>
-                <a:outerShdw blurRad="38100" dist="38100" dir="2700000" algn="tl">
-                  <a:srgbClr val="000000">
-                    <a:alpha val="43137"/>
-                  </a:srgbClr>
-                </a:outerShdw>
-              </a:effectLst>
-            </a:endParaRPr>
           </a:p>
         </p:txBody>
       </p:sp>
@@ -13777,13 +13359,6 @@
   <p:clrMapOvr>
     <a:masterClrMapping/>
   </p:clrMapOvr>
-  <p:timing>
-    <p:tnLst>
-      <p:par>
-        <p:cTn id="1" dur="indefinite" restart="never" nodeType="tmRoot"/>
-      </p:par>
-    </p:tnLst>
-  </p:timing>
 </p:sld>
 </file>
 
